--- a/team2/week report/group2_week5.pptx
+++ b/team2/week report/group2_week5.pptx
@@ -5,13 +5,16 @@
     <p:sldMasterId id="2147483648" r:id="rId1"/>
   </p:sldMasterIdLst>
   <p:sldIdLst>
-    <p:sldId id="256" r:id="rId2"/>
-    <p:sldId id="257" r:id="rId3"/>
-    <p:sldId id="258" r:id="rId4"/>
-    <p:sldId id="259" r:id="rId5"/>
-    <p:sldId id="260" r:id="rId6"/>
-    <p:sldId id="262" r:id="rId7"/>
-    <p:sldId id="261" r:id="rId8"/>
+    <p:sldId id="256" r:id="rId3"/>
+    <p:sldId id="257" r:id="rId4"/>
+    <p:sldId id="258" r:id="rId5"/>
+    <p:sldId id="259" r:id="rId6"/>
+    <p:sldId id="260" r:id="rId7"/>
+    <p:sldId id="264" r:id="rId8"/>
+    <p:sldId id="265" r:id="rId9"/>
+    <p:sldId id="266" r:id="rId10"/>
+    <p:sldId id="262" r:id="rId11"/>
+    <p:sldId id="261" r:id="rId12"/>
   </p:sldIdLst>
   <p:sldSz cx="12192000" cy="6858000"/>
   <p:notesSz cx="6858000" cy="9144000"/>
@@ -110,11 +113,6 @@
       </a:defRPr>
     </a:lvl9pPr>
   </p:defaultTextStyle>
-  <p:extLst>
-    <p:ext uri="{EFAFB233-063F-42B5-8137-9DF3F51BA10A}">
-      <p15:sldGuideLst xmlns:p15="http://schemas.microsoft.com/office/powerpoint/2012/main"/>
-    </p:ext>
-  </p:extLst>
 </p:presentation>
 </file>
 
@@ -137,13 +135,7 @@
       </p:grpSpPr>
       <p:sp>
         <p:nvSpPr>
-          <p:cNvPr id="2" name="标题 1">
-            <a:extLst>
-              <a:ext uri="{FF2B5EF4-FFF2-40B4-BE49-F238E27FC236}">
-                <a16:creationId xmlns:a16="http://schemas.microsoft.com/office/drawing/2014/main" id="{A6691F30-EC54-4F4A-A191-B37ED93C3A4E}"/>
-              </a:ext>
-            </a:extLst>
-          </p:cNvPr>
+          <p:cNvPr id="2" name="标题 1"/>
           <p:cNvSpPr>
             <a:spLocks noGrp="1"/>
           </p:cNvSpPr>
@@ -174,13 +166,7 @@
       </p:sp>
       <p:sp>
         <p:nvSpPr>
-          <p:cNvPr id="3" name="副标题 2">
-            <a:extLst>
-              <a:ext uri="{FF2B5EF4-FFF2-40B4-BE49-F238E27FC236}">
-                <a16:creationId xmlns:a16="http://schemas.microsoft.com/office/drawing/2014/main" id="{43544E27-D74A-48B5-AAC0-4625EAC8ACE9}"/>
-              </a:ext>
-            </a:extLst>
-          </p:cNvPr>
+          <p:cNvPr id="3" name="副标题 2"/>
           <p:cNvSpPr>
             <a:spLocks noGrp="1"/>
           </p:cNvSpPr>
@@ -244,13 +230,7 @@
       </p:sp>
       <p:sp>
         <p:nvSpPr>
-          <p:cNvPr id="4" name="日期占位符 3">
-            <a:extLst>
-              <a:ext uri="{FF2B5EF4-FFF2-40B4-BE49-F238E27FC236}">
-                <a16:creationId xmlns:a16="http://schemas.microsoft.com/office/drawing/2014/main" id="{92FAC479-D883-47AD-A6DD-E612D656947F}"/>
-              </a:ext>
-            </a:extLst>
-          </p:cNvPr>
+          <p:cNvPr id="4" name="日期占位符 3"/>
           <p:cNvSpPr>
             <a:spLocks noGrp="1"/>
           </p:cNvSpPr>
@@ -265,7 +245,6 @@
           <a:p>
             <a:fld id="{18BB48A8-A11C-4F8D-B04A-1AC2B146D343}" type="datetimeFigureOut">
               <a:rPr lang="zh-CN" altLang="en-US" smtClean="0"/>
-              <a:t>2018/4/2</a:t>
             </a:fld>
             <a:endParaRPr lang="zh-CN" altLang="en-US"/>
           </a:p>
@@ -273,13 +252,7 @@
       </p:sp>
       <p:sp>
         <p:nvSpPr>
-          <p:cNvPr id="5" name="页脚占位符 4">
-            <a:extLst>
-              <a:ext uri="{FF2B5EF4-FFF2-40B4-BE49-F238E27FC236}">
-                <a16:creationId xmlns:a16="http://schemas.microsoft.com/office/drawing/2014/main" id="{83E6D1A9-0053-4AF7-81BA-8928DDDF1D63}"/>
-              </a:ext>
-            </a:extLst>
-          </p:cNvPr>
+          <p:cNvPr id="5" name="页脚占位符 4"/>
           <p:cNvSpPr>
             <a:spLocks noGrp="1"/>
           </p:cNvSpPr>
@@ -298,13 +271,7 @@
       </p:sp>
       <p:sp>
         <p:nvSpPr>
-          <p:cNvPr id="6" name="灯片编号占位符 5">
-            <a:extLst>
-              <a:ext uri="{FF2B5EF4-FFF2-40B4-BE49-F238E27FC236}">
-                <a16:creationId xmlns:a16="http://schemas.microsoft.com/office/drawing/2014/main" id="{B5C158A2-08E0-4E63-A0E3-C2233AAE976B}"/>
-              </a:ext>
-            </a:extLst>
-          </p:cNvPr>
+          <p:cNvPr id="6" name="灯片编号占位符 5"/>
           <p:cNvSpPr>
             <a:spLocks noGrp="1"/>
           </p:cNvSpPr>
@@ -319,18 +286,12 @@
           <a:p>
             <a:fld id="{8C571B56-7495-4EBD-8260-CDC087C0A14D}" type="slidenum">
               <a:rPr lang="zh-CN" altLang="en-US" smtClean="0"/>
-              <a:t>‹#›</a:t>
             </a:fld>
             <a:endParaRPr lang="zh-CN" altLang="en-US"/>
           </a:p>
         </p:txBody>
       </p:sp>
     </p:spTree>
-    <p:extLst>
-      <p:ext uri="{BB962C8B-B14F-4D97-AF65-F5344CB8AC3E}">
-        <p14:creationId xmlns:p14="http://schemas.microsoft.com/office/powerpoint/2010/main" val="4032926744"/>
-      </p:ext>
-    </p:extLst>
   </p:cSld>
   <p:clrMapOvr>
     <a:masterClrMapping/>
@@ -357,13 +318,7 @@
       </p:grpSpPr>
       <p:sp>
         <p:nvSpPr>
-          <p:cNvPr id="2" name="标题 1">
-            <a:extLst>
-              <a:ext uri="{FF2B5EF4-FFF2-40B4-BE49-F238E27FC236}">
-                <a16:creationId xmlns:a16="http://schemas.microsoft.com/office/drawing/2014/main" id="{8E8DAE23-BB8E-4713-8834-77CB43691DD0}"/>
-              </a:ext>
-            </a:extLst>
-          </p:cNvPr>
+          <p:cNvPr id="2" name="标题 1"/>
           <p:cNvSpPr>
             <a:spLocks noGrp="1"/>
           </p:cNvSpPr>
@@ -385,18 +340,12 @@
       </p:sp>
       <p:sp>
         <p:nvSpPr>
-          <p:cNvPr id="3" name="竖排文字占位符 2">
-            <a:extLst>
-              <a:ext uri="{FF2B5EF4-FFF2-40B4-BE49-F238E27FC236}">
-                <a16:creationId xmlns:a16="http://schemas.microsoft.com/office/drawing/2014/main" id="{685D8692-D3A1-46A3-B361-B96E078A872B}"/>
-              </a:ext>
-            </a:extLst>
-          </p:cNvPr>
-          <p:cNvSpPr>
-            <a:spLocks noGrp="1"/>
-          </p:cNvSpPr>
-          <p:nvPr>
-            <p:ph type="body" orient="vert" idx="1"/>
+          <p:cNvPr id="3" name="竖排文字占位符 2"/>
+          <p:cNvSpPr>
+            <a:spLocks noGrp="1"/>
+          </p:cNvSpPr>
+          <p:nvPr>
+            <p:ph type="body" orient="vert" idx="1" hasCustomPrompt="1"/>
           </p:nvPr>
         </p:nvSpPr>
         <p:spPr/>
@@ -409,6 +358,7 @@
               <a:rPr lang="zh-CN" altLang="en-US"/>
               <a:t>编辑母版文本样式</a:t>
             </a:r>
+            <a:endParaRPr lang="zh-CN" altLang="en-US"/>
           </a:p>
           <a:p>
             <a:pPr lvl="1"/>
@@ -416,6 +366,7 @@
               <a:rPr lang="zh-CN" altLang="en-US"/>
               <a:t>第二级</a:t>
             </a:r>
+            <a:endParaRPr lang="zh-CN" altLang="en-US"/>
           </a:p>
           <a:p>
             <a:pPr lvl="2"/>
@@ -423,6 +374,7 @@
               <a:rPr lang="zh-CN" altLang="en-US"/>
               <a:t>第三级</a:t>
             </a:r>
+            <a:endParaRPr lang="zh-CN" altLang="en-US"/>
           </a:p>
           <a:p>
             <a:pPr lvl="3"/>
@@ -430,6 +382,7 @@
               <a:rPr lang="zh-CN" altLang="en-US"/>
               <a:t>第四级</a:t>
             </a:r>
+            <a:endParaRPr lang="zh-CN" altLang="en-US"/>
           </a:p>
           <a:p>
             <a:pPr lvl="4"/>
@@ -442,13 +395,7 @@
       </p:sp>
       <p:sp>
         <p:nvSpPr>
-          <p:cNvPr id="4" name="日期占位符 3">
-            <a:extLst>
-              <a:ext uri="{FF2B5EF4-FFF2-40B4-BE49-F238E27FC236}">
-                <a16:creationId xmlns:a16="http://schemas.microsoft.com/office/drawing/2014/main" id="{4F77B27B-EC0E-4A8F-A308-7B8C0F8A6DF1}"/>
-              </a:ext>
-            </a:extLst>
-          </p:cNvPr>
+          <p:cNvPr id="4" name="日期占位符 3"/>
           <p:cNvSpPr>
             <a:spLocks noGrp="1"/>
           </p:cNvSpPr>
@@ -463,7 +410,6 @@
           <a:p>
             <a:fld id="{18BB48A8-A11C-4F8D-B04A-1AC2B146D343}" type="datetimeFigureOut">
               <a:rPr lang="zh-CN" altLang="en-US" smtClean="0"/>
-              <a:t>2018/4/2</a:t>
             </a:fld>
             <a:endParaRPr lang="zh-CN" altLang="en-US"/>
           </a:p>
@@ -471,13 +417,7 @@
       </p:sp>
       <p:sp>
         <p:nvSpPr>
-          <p:cNvPr id="5" name="页脚占位符 4">
-            <a:extLst>
-              <a:ext uri="{FF2B5EF4-FFF2-40B4-BE49-F238E27FC236}">
-                <a16:creationId xmlns:a16="http://schemas.microsoft.com/office/drawing/2014/main" id="{132BDCBC-D8C1-4186-8F3C-F3FEE2AF27CF}"/>
-              </a:ext>
-            </a:extLst>
-          </p:cNvPr>
+          <p:cNvPr id="5" name="页脚占位符 4"/>
           <p:cNvSpPr>
             <a:spLocks noGrp="1"/>
           </p:cNvSpPr>
@@ -496,13 +436,7 @@
       </p:sp>
       <p:sp>
         <p:nvSpPr>
-          <p:cNvPr id="6" name="灯片编号占位符 5">
-            <a:extLst>
-              <a:ext uri="{FF2B5EF4-FFF2-40B4-BE49-F238E27FC236}">
-                <a16:creationId xmlns:a16="http://schemas.microsoft.com/office/drawing/2014/main" id="{A9D00BEC-6959-42DC-8474-4E1705291C9D}"/>
-              </a:ext>
-            </a:extLst>
-          </p:cNvPr>
+          <p:cNvPr id="6" name="灯片编号占位符 5"/>
           <p:cNvSpPr>
             <a:spLocks noGrp="1"/>
           </p:cNvSpPr>
@@ -517,18 +451,12 @@
           <a:p>
             <a:fld id="{8C571B56-7495-4EBD-8260-CDC087C0A14D}" type="slidenum">
               <a:rPr lang="zh-CN" altLang="en-US" smtClean="0"/>
-              <a:t>‹#›</a:t>
             </a:fld>
             <a:endParaRPr lang="zh-CN" altLang="en-US"/>
           </a:p>
         </p:txBody>
       </p:sp>
     </p:spTree>
-    <p:extLst>
-      <p:ext uri="{BB962C8B-B14F-4D97-AF65-F5344CB8AC3E}">
-        <p14:creationId xmlns:p14="http://schemas.microsoft.com/office/powerpoint/2010/main" val="2981323168"/>
-      </p:ext>
-    </p:extLst>
   </p:cSld>
   <p:clrMapOvr>
     <a:masterClrMapping/>
@@ -555,13 +483,7 @@
       </p:grpSpPr>
       <p:sp>
         <p:nvSpPr>
-          <p:cNvPr id="2" name="竖排标题 1">
-            <a:extLst>
-              <a:ext uri="{FF2B5EF4-FFF2-40B4-BE49-F238E27FC236}">
-                <a16:creationId xmlns:a16="http://schemas.microsoft.com/office/drawing/2014/main" id="{F0BAD6E2-E786-4036-92C7-C5314BBC0A63}"/>
-              </a:ext>
-            </a:extLst>
-          </p:cNvPr>
+          <p:cNvPr id="2" name="竖排标题 1"/>
           <p:cNvSpPr>
             <a:spLocks noGrp="1"/>
           </p:cNvSpPr>
@@ -588,18 +510,12 @@
       </p:sp>
       <p:sp>
         <p:nvSpPr>
-          <p:cNvPr id="3" name="竖排文字占位符 2">
-            <a:extLst>
-              <a:ext uri="{FF2B5EF4-FFF2-40B4-BE49-F238E27FC236}">
-                <a16:creationId xmlns:a16="http://schemas.microsoft.com/office/drawing/2014/main" id="{716889B7-BC6A-4D86-AD7A-580022A6F274}"/>
-              </a:ext>
-            </a:extLst>
-          </p:cNvPr>
-          <p:cNvSpPr>
-            <a:spLocks noGrp="1"/>
-          </p:cNvSpPr>
-          <p:nvPr>
-            <p:ph type="body" orient="vert" idx="1"/>
+          <p:cNvPr id="3" name="竖排文字占位符 2"/>
+          <p:cNvSpPr>
+            <a:spLocks noGrp="1"/>
+          </p:cNvSpPr>
+          <p:nvPr>
+            <p:ph type="body" orient="vert" idx="1" hasCustomPrompt="1"/>
           </p:nvPr>
         </p:nvSpPr>
         <p:spPr>
@@ -617,6 +533,7 @@
               <a:rPr lang="zh-CN" altLang="en-US"/>
               <a:t>编辑母版文本样式</a:t>
             </a:r>
+            <a:endParaRPr lang="zh-CN" altLang="en-US"/>
           </a:p>
           <a:p>
             <a:pPr lvl="1"/>
@@ -624,6 +541,7 @@
               <a:rPr lang="zh-CN" altLang="en-US"/>
               <a:t>第二级</a:t>
             </a:r>
+            <a:endParaRPr lang="zh-CN" altLang="en-US"/>
           </a:p>
           <a:p>
             <a:pPr lvl="2"/>
@@ -631,6 +549,7 @@
               <a:rPr lang="zh-CN" altLang="en-US"/>
               <a:t>第三级</a:t>
             </a:r>
+            <a:endParaRPr lang="zh-CN" altLang="en-US"/>
           </a:p>
           <a:p>
             <a:pPr lvl="3"/>
@@ -638,6 +557,7 @@
               <a:rPr lang="zh-CN" altLang="en-US"/>
               <a:t>第四级</a:t>
             </a:r>
+            <a:endParaRPr lang="zh-CN" altLang="en-US"/>
           </a:p>
           <a:p>
             <a:pPr lvl="4"/>
@@ -650,13 +570,7 @@
       </p:sp>
       <p:sp>
         <p:nvSpPr>
-          <p:cNvPr id="4" name="日期占位符 3">
-            <a:extLst>
-              <a:ext uri="{FF2B5EF4-FFF2-40B4-BE49-F238E27FC236}">
-                <a16:creationId xmlns:a16="http://schemas.microsoft.com/office/drawing/2014/main" id="{F058B6E2-E22B-4389-9262-7EF469FC8133}"/>
-              </a:ext>
-            </a:extLst>
-          </p:cNvPr>
+          <p:cNvPr id="4" name="日期占位符 3"/>
           <p:cNvSpPr>
             <a:spLocks noGrp="1"/>
           </p:cNvSpPr>
@@ -671,7 +585,6 @@
           <a:p>
             <a:fld id="{18BB48A8-A11C-4F8D-B04A-1AC2B146D343}" type="datetimeFigureOut">
               <a:rPr lang="zh-CN" altLang="en-US" smtClean="0"/>
-              <a:t>2018/4/2</a:t>
             </a:fld>
             <a:endParaRPr lang="zh-CN" altLang="en-US"/>
           </a:p>
@@ -679,13 +592,7 @@
       </p:sp>
       <p:sp>
         <p:nvSpPr>
-          <p:cNvPr id="5" name="页脚占位符 4">
-            <a:extLst>
-              <a:ext uri="{FF2B5EF4-FFF2-40B4-BE49-F238E27FC236}">
-                <a16:creationId xmlns:a16="http://schemas.microsoft.com/office/drawing/2014/main" id="{A4DE18CD-E1FE-4D7F-B858-10D81741AD29}"/>
-              </a:ext>
-            </a:extLst>
-          </p:cNvPr>
+          <p:cNvPr id="5" name="页脚占位符 4"/>
           <p:cNvSpPr>
             <a:spLocks noGrp="1"/>
           </p:cNvSpPr>
@@ -704,13 +611,7 @@
       </p:sp>
       <p:sp>
         <p:nvSpPr>
-          <p:cNvPr id="6" name="灯片编号占位符 5">
-            <a:extLst>
-              <a:ext uri="{FF2B5EF4-FFF2-40B4-BE49-F238E27FC236}">
-                <a16:creationId xmlns:a16="http://schemas.microsoft.com/office/drawing/2014/main" id="{7A725895-E16C-4CC1-B355-77128A8C9C07}"/>
-              </a:ext>
-            </a:extLst>
-          </p:cNvPr>
+          <p:cNvPr id="6" name="灯片编号占位符 5"/>
           <p:cNvSpPr>
             <a:spLocks noGrp="1"/>
           </p:cNvSpPr>
@@ -725,18 +626,12 @@
           <a:p>
             <a:fld id="{8C571B56-7495-4EBD-8260-CDC087C0A14D}" type="slidenum">
               <a:rPr lang="zh-CN" altLang="en-US" smtClean="0"/>
-              <a:t>‹#›</a:t>
             </a:fld>
             <a:endParaRPr lang="zh-CN" altLang="en-US"/>
           </a:p>
         </p:txBody>
       </p:sp>
     </p:spTree>
-    <p:extLst>
-      <p:ext uri="{BB962C8B-B14F-4D97-AF65-F5344CB8AC3E}">
-        <p14:creationId xmlns:p14="http://schemas.microsoft.com/office/powerpoint/2010/main" val="125069090"/>
-      </p:ext>
-    </p:extLst>
   </p:cSld>
   <p:clrMapOvr>
     <a:masterClrMapping/>
@@ -763,13 +658,7 @@
       </p:grpSpPr>
       <p:sp>
         <p:nvSpPr>
-          <p:cNvPr id="2" name="标题 1">
-            <a:extLst>
-              <a:ext uri="{FF2B5EF4-FFF2-40B4-BE49-F238E27FC236}">
-                <a16:creationId xmlns:a16="http://schemas.microsoft.com/office/drawing/2014/main" id="{0982ABD1-9623-4854-9469-4FB65DDC22EB}"/>
-              </a:ext>
-            </a:extLst>
-          </p:cNvPr>
+          <p:cNvPr id="2" name="标题 1"/>
           <p:cNvSpPr>
             <a:spLocks noGrp="1"/>
           </p:cNvSpPr>
@@ -791,18 +680,12 @@
       </p:sp>
       <p:sp>
         <p:nvSpPr>
-          <p:cNvPr id="3" name="内容占位符 2">
-            <a:extLst>
-              <a:ext uri="{FF2B5EF4-FFF2-40B4-BE49-F238E27FC236}">
-                <a16:creationId xmlns:a16="http://schemas.microsoft.com/office/drawing/2014/main" id="{6C9893A0-028C-42F1-8E28-6B5F5D196354}"/>
-              </a:ext>
-            </a:extLst>
-          </p:cNvPr>
-          <p:cNvSpPr>
-            <a:spLocks noGrp="1"/>
-          </p:cNvSpPr>
-          <p:nvPr>
-            <p:ph idx="1"/>
+          <p:cNvPr id="3" name="内容占位符 2"/>
+          <p:cNvSpPr>
+            <a:spLocks noGrp="1"/>
+          </p:cNvSpPr>
+          <p:nvPr>
+            <p:ph idx="1" hasCustomPrompt="1"/>
           </p:nvPr>
         </p:nvSpPr>
         <p:spPr/>
@@ -815,6 +698,7 @@
               <a:rPr lang="zh-CN" altLang="en-US"/>
               <a:t>编辑母版文本样式</a:t>
             </a:r>
+            <a:endParaRPr lang="zh-CN" altLang="en-US"/>
           </a:p>
           <a:p>
             <a:pPr lvl="1"/>
@@ -822,6 +706,7 @@
               <a:rPr lang="zh-CN" altLang="en-US"/>
               <a:t>第二级</a:t>
             </a:r>
+            <a:endParaRPr lang="zh-CN" altLang="en-US"/>
           </a:p>
           <a:p>
             <a:pPr lvl="2"/>
@@ -829,6 +714,7 @@
               <a:rPr lang="zh-CN" altLang="en-US"/>
               <a:t>第三级</a:t>
             </a:r>
+            <a:endParaRPr lang="zh-CN" altLang="en-US"/>
           </a:p>
           <a:p>
             <a:pPr lvl="3"/>
@@ -836,6 +722,7 @@
               <a:rPr lang="zh-CN" altLang="en-US"/>
               <a:t>第四级</a:t>
             </a:r>
+            <a:endParaRPr lang="zh-CN" altLang="en-US"/>
           </a:p>
           <a:p>
             <a:pPr lvl="4"/>
@@ -848,13 +735,7 @@
       </p:sp>
       <p:sp>
         <p:nvSpPr>
-          <p:cNvPr id="4" name="日期占位符 3">
-            <a:extLst>
-              <a:ext uri="{FF2B5EF4-FFF2-40B4-BE49-F238E27FC236}">
-                <a16:creationId xmlns:a16="http://schemas.microsoft.com/office/drawing/2014/main" id="{5A4876AE-9231-40FF-82F0-EF2427E4FA82}"/>
-              </a:ext>
-            </a:extLst>
-          </p:cNvPr>
+          <p:cNvPr id="4" name="日期占位符 3"/>
           <p:cNvSpPr>
             <a:spLocks noGrp="1"/>
           </p:cNvSpPr>
@@ -869,7 +750,6 @@
           <a:p>
             <a:fld id="{18BB48A8-A11C-4F8D-B04A-1AC2B146D343}" type="datetimeFigureOut">
               <a:rPr lang="zh-CN" altLang="en-US" smtClean="0"/>
-              <a:t>2018/4/2</a:t>
             </a:fld>
             <a:endParaRPr lang="zh-CN" altLang="en-US"/>
           </a:p>
@@ -877,13 +757,7 @@
       </p:sp>
       <p:sp>
         <p:nvSpPr>
-          <p:cNvPr id="5" name="页脚占位符 4">
-            <a:extLst>
-              <a:ext uri="{FF2B5EF4-FFF2-40B4-BE49-F238E27FC236}">
-                <a16:creationId xmlns:a16="http://schemas.microsoft.com/office/drawing/2014/main" id="{0C48A3BD-7BC5-496B-9069-8CD5BBE31F72}"/>
-              </a:ext>
-            </a:extLst>
-          </p:cNvPr>
+          <p:cNvPr id="5" name="页脚占位符 4"/>
           <p:cNvSpPr>
             <a:spLocks noGrp="1"/>
           </p:cNvSpPr>
@@ -902,13 +776,7 @@
       </p:sp>
       <p:sp>
         <p:nvSpPr>
-          <p:cNvPr id="6" name="灯片编号占位符 5">
-            <a:extLst>
-              <a:ext uri="{FF2B5EF4-FFF2-40B4-BE49-F238E27FC236}">
-                <a16:creationId xmlns:a16="http://schemas.microsoft.com/office/drawing/2014/main" id="{4D42608C-86ED-44A7-98BD-E9A9589D7715}"/>
-              </a:ext>
-            </a:extLst>
-          </p:cNvPr>
+          <p:cNvPr id="6" name="灯片编号占位符 5"/>
           <p:cNvSpPr>
             <a:spLocks noGrp="1"/>
           </p:cNvSpPr>
@@ -923,18 +791,12 @@
           <a:p>
             <a:fld id="{8C571B56-7495-4EBD-8260-CDC087C0A14D}" type="slidenum">
               <a:rPr lang="zh-CN" altLang="en-US" smtClean="0"/>
-              <a:t>‹#›</a:t>
             </a:fld>
             <a:endParaRPr lang="zh-CN" altLang="en-US"/>
           </a:p>
         </p:txBody>
       </p:sp>
     </p:spTree>
-    <p:extLst>
-      <p:ext uri="{BB962C8B-B14F-4D97-AF65-F5344CB8AC3E}">
-        <p14:creationId xmlns:p14="http://schemas.microsoft.com/office/powerpoint/2010/main" val="1890109192"/>
-      </p:ext>
-    </p:extLst>
   </p:cSld>
   <p:clrMapOvr>
     <a:masterClrMapping/>
@@ -961,13 +823,7 @@
       </p:grpSpPr>
       <p:sp>
         <p:nvSpPr>
-          <p:cNvPr id="2" name="标题 1">
-            <a:extLst>
-              <a:ext uri="{FF2B5EF4-FFF2-40B4-BE49-F238E27FC236}">
-                <a16:creationId xmlns:a16="http://schemas.microsoft.com/office/drawing/2014/main" id="{EE264671-F34D-4C24-B02B-2D4F55305695}"/>
-              </a:ext>
-            </a:extLst>
-          </p:cNvPr>
+          <p:cNvPr id="2" name="标题 1"/>
           <p:cNvSpPr>
             <a:spLocks noGrp="1"/>
           </p:cNvSpPr>
@@ -998,18 +854,12 @@
       </p:sp>
       <p:sp>
         <p:nvSpPr>
-          <p:cNvPr id="3" name="文本占位符 2">
-            <a:extLst>
-              <a:ext uri="{FF2B5EF4-FFF2-40B4-BE49-F238E27FC236}">
-                <a16:creationId xmlns:a16="http://schemas.microsoft.com/office/drawing/2014/main" id="{577492BB-F642-462D-B771-B717DB54348A}"/>
-              </a:ext>
-            </a:extLst>
-          </p:cNvPr>
-          <p:cNvSpPr>
-            <a:spLocks noGrp="1"/>
-          </p:cNvSpPr>
-          <p:nvPr>
-            <p:ph type="body" idx="1"/>
+          <p:cNvPr id="3" name="文本占位符 2"/>
+          <p:cNvSpPr>
+            <a:spLocks noGrp="1"/>
+          </p:cNvSpPr>
+          <p:nvPr>
+            <p:ph type="body" idx="1" hasCustomPrompt="1"/>
           </p:nvPr>
         </p:nvSpPr>
         <p:spPr>
@@ -1123,13 +973,7 @@
       </p:sp>
       <p:sp>
         <p:nvSpPr>
-          <p:cNvPr id="4" name="日期占位符 3">
-            <a:extLst>
-              <a:ext uri="{FF2B5EF4-FFF2-40B4-BE49-F238E27FC236}">
-                <a16:creationId xmlns:a16="http://schemas.microsoft.com/office/drawing/2014/main" id="{0E5B3404-B48C-4537-8C92-FFB711B2C4BA}"/>
-              </a:ext>
-            </a:extLst>
-          </p:cNvPr>
+          <p:cNvPr id="4" name="日期占位符 3"/>
           <p:cNvSpPr>
             <a:spLocks noGrp="1"/>
           </p:cNvSpPr>
@@ -1144,7 +988,6 @@
           <a:p>
             <a:fld id="{18BB48A8-A11C-4F8D-B04A-1AC2B146D343}" type="datetimeFigureOut">
               <a:rPr lang="zh-CN" altLang="en-US" smtClean="0"/>
-              <a:t>2018/4/2</a:t>
             </a:fld>
             <a:endParaRPr lang="zh-CN" altLang="en-US"/>
           </a:p>
@@ -1152,13 +995,7 @@
       </p:sp>
       <p:sp>
         <p:nvSpPr>
-          <p:cNvPr id="5" name="页脚占位符 4">
-            <a:extLst>
-              <a:ext uri="{FF2B5EF4-FFF2-40B4-BE49-F238E27FC236}">
-                <a16:creationId xmlns:a16="http://schemas.microsoft.com/office/drawing/2014/main" id="{C8598102-3276-4709-86D5-843ABB3F1B0B}"/>
-              </a:ext>
-            </a:extLst>
-          </p:cNvPr>
+          <p:cNvPr id="5" name="页脚占位符 4"/>
           <p:cNvSpPr>
             <a:spLocks noGrp="1"/>
           </p:cNvSpPr>
@@ -1177,13 +1014,7 @@
       </p:sp>
       <p:sp>
         <p:nvSpPr>
-          <p:cNvPr id="6" name="灯片编号占位符 5">
-            <a:extLst>
-              <a:ext uri="{FF2B5EF4-FFF2-40B4-BE49-F238E27FC236}">
-                <a16:creationId xmlns:a16="http://schemas.microsoft.com/office/drawing/2014/main" id="{04137051-70FE-41B6-92A0-BCCC700342D3}"/>
-              </a:ext>
-            </a:extLst>
-          </p:cNvPr>
+          <p:cNvPr id="6" name="灯片编号占位符 5"/>
           <p:cNvSpPr>
             <a:spLocks noGrp="1"/>
           </p:cNvSpPr>
@@ -1198,18 +1029,12 @@
           <a:p>
             <a:fld id="{8C571B56-7495-4EBD-8260-CDC087C0A14D}" type="slidenum">
               <a:rPr lang="zh-CN" altLang="en-US" smtClean="0"/>
-              <a:t>‹#›</a:t>
             </a:fld>
             <a:endParaRPr lang="zh-CN" altLang="en-US"/>
           </a:p>
         </p:txBody>
       </p:sp>
     </p:spTree>
-    <p:extLst>
-      <p:ext uri="{BB962C8B-B14F-4D97-AF65-F5344CB8AC3E}">
-        <p14:creationId xmlns:p14="http://schemas.microsoft.com/office/powerpoint/2010/main" val="2065407258"/>
-      </p:ext>
-    </p:extLst>
   </p:cSld>
   <p:clrMapOvr>
     <a:masterClrMapping/>
@@ -1236,13 +1061,7 @@
       </p:grpSpPr>
       <p:sp>
         <p:nvSpPr>
-          <p:cNvPr id="2" name="标题 1">
-            <a:extLst>
-              <a:ext uri="{FF2B5EF4-FFF2-40B4-BE49-F238E27FC236}">
-                <a16:creationId xmlns:a16="http://schemas.microsoft.com/office/drawing/2014/main" id="{D5C8C8BF-DA3F-466D-ABFB-2C4936F49311}"/>
-              </a:ext>
-            </a:extLst>
-          </p:cNvPr>
+          <p:cNvPr id="2" name="标题 1"/>
           <p:cNvSpPr>
             <a:spLocks noGrp="1"/>
           </p:cNvSpPr>
@@ -1264,18 +1083,12 @@
       </p:sp>
       <p:sp>
         <p:nvSpPr>
-          <p:cNvPr id="3" name="内容占位符 2">
-            <a:extLst>
-              <a:ext uri="{FF2B5EF4-FFF2-40B4-BE49-F238E27FC236}">
-                <a16:creationId xmlns:a16="http://schemas.microsoft.com/office/drawing/2014/main" id="{5737DF81-89A0-4852-810A-D75842C4D1FE}"/>
-              </a:ext>
-            </a:extLst>
-          </p:cNvPr>
-          <p:cNvSpPr>
-            <a:spLocks noGrp="1"/>
-          </p:cNvSpPr>
-          <p:nvPr>
-            <p:ph sz="half" idx="1"/>
+          <p:cNvPr id="3" name="内容占位符 2"/>
+          <p:cNvSpPr>
+            <a:spLocks noGrp="1"/>
+          </p:cNvSpPr>
+          <p:nvPr>
+            <p:ph sz="half" idx="1" hasCustomPrompt="1"/>
           </p:nvPr>
         </p:nvSpPr>
         <p:spPr>
@@ -1293,6 +1106,7 @@
               <a:rPr lang="zh-CN" altLang="en-US"/>
               <a:t>编辑母版文本样式</a:t>
             </a:r>
+            <a:endParaRPr lang="zh-CN" altLang="en-US"/>
           </a:p>
           <a:p>
             <a:pPr lvl="1"/>
@@ -1300,6 +1114,7 @@
               <a:rPr lang="zh-CN" altLang="en-US"/>
               <a:t>第二级</a:t>
             </a:r>
+            <a:endParaRPr lang="zh-CN" altLang="en-US"/>
           </a:p>
           <a:p>
             <a:pPr lvl="2"/>
@@ -1307,6 +1122,7 @@
               <a:rPr lang="zh-CN" altLang="en-US"/>
               <a:t>第三级</a:t>
             </a:r>
+            <a:endParaRPr lang="zh-CN" altLang="en-US"/>
           </a:p>
           <a:p>
             <a:pPr lvl="3"/>
@@ -1314,6 +1130,7 @@
               <a:rPr lang="zh-CN" altLang="en-US"/>
               <a:t>第四级</a:t>
             </a:r>
+            <a:endParaRPr lang="zh-CN" altLang="en-US"/>
           </a:p>
           <a:p>
             <a:pPr lvl="4"/>
@@ -1326,18 +1143,12 @@
       </p:sp>
       <p:sp>
         <p:nvSpPr>
-          <p:cNvPr id="4" name="内容占位符 3">
-            <a:extLst>
-              <a:ext uri="{FF2B5EF4-FFF2-40B4-BE49-F238E27FC236}">
-                <a16:creationId xmlns:a16="http://schemas.microsoft.com/office/drawing/2014/main" id="{3D278BA5-EA73-4D7F-AFC5-6F5D6A33CF1D}"/>
-              </a:ext>
-            </a:extLst>
-          </p:cNvPr>
-          <p:cNvSpPr>
-            <a:spLocks noGrp="1"/>
-          </p:cNvSpPr>
-          <p:nvPr>
-            <p:ph sz="half" idx="2"/>
+          <p:cNvPr id="4" name="内容占位符 3"/>
+          <p:cNvSpPr>
+            <a:spLocks noGrp="1"/>
+          </p:cNvSpPr>
+          <p:nvPr>
+            <p:ph sz="half" idx="2" hasCustomPrompt="1"/>
           </p:nvPr>
         </p:nvSpPr>
         <p:spPr>
@@ -1355,6 +1166,7 @@
               <a:rPr lang="zh-CN" altLang="en-US"/>
               <a:t>编辑母版文本样式</a:t>
             </a:r>
+            <a:endParaRPr lang="zh-CN" altLang="en-US"/>
           </a:p>
           <a:p>
             <a:pPr lvl="1"/>
@@ -1362,6 +1174,7 @@
               <a:rPr lang="zh-CN" altLang="en-US"/>
               <a:t>第二级</a:t>
             </a:r>
+            <a:endParaRPr lang="zh-CN" altLang="en-US"/>
           </a:p>
           <a:p>
             <a:pPr lvl="2"/>
@@ -1369,6 +1182,7 @@
               <a:rPr lang="zh-CN" altLang="en-US"/>
               <a:t>第三级</a:t>
             </a:r>
+            <a:endParaRPr lang="zh-CN" altLang="en-US"/>
           </a:p>
           <a:p>
             <a:pPr lvl="3"/>
@@ -1376,6 +1190,7 @@
               <a:rPr lang="zh-CN" altLang="en-US"/>
               <a:t>第四级</a:t>
             </a:r>
+            <a:endParaRPr lang="zh-CN" altLang="en-US"/>
           </a:p>
           <a:p>
             <a:pPr lvl="4"/>
@@ -1388,13 +1203,7 @@
       </p:sp>
       <p:sp>
         <p:nvSpPr>
-          <p:cNvPr id="5" name="日期占位符 4">
-            <a:extLst>
-              <a:ext uri="{FF2B5EF4-FFF2-40B4-BE49-F238E27FC236}">
-                <a16:creationId xmlns:a16="http://schemas.microsoft.com/office/drawing/2014/main" id="{AA4FEA1A-4DD3-4BBF-ABCD-D31DBEF1169E}"/>
-              </a:ext>
-            </a:extLst>
-          </p:cNvPr>
+          <p:cNvPr id="5" name="日期占位符 4"/>
           <p:cNvSpPr>
             <a:spLocks noGrp="1"/>
           </p:cNvSpPr>
@@ -1409,7 +1218,6 @@
           <a:p>
             <a:fld id="{18BB48A8-A11C-4F8D-B04A-1AC2B146D343}" type="datetimeFigureOut">
               <a:rPr lang="zh-CN" altLang="en-US" smtClean="0"/>
-              <a:t>2018/4/2</a:t>
             </a:fld>
             <a:endParaRPr lang="zh-CN" altLang="en-US"/>
           </a:p>
@@ -1417,13 +1225,7 @@
       </p:sp>
       <p:sp>
         <p:nvSpPr>
-          <p:cNvPr id="6" name="页脚占位符 5">
-            <a:extLst>
-              <a:ext uri="{FF2B5EF4-FFF2-40B4-BE49-F238E27FC236}">
-                <a16:creationId xmlns:a16="http://schemas.microsoft.com/office/drawing/2014/main" id="{D896E685-001C-49E8-801D-918B3A1DF824}"/>
-              </a:ext>
-            </a:extLst>
-          </p:cNvPr>
+          <p:cNvPr id="6" name="页脚占位符 5"/>
           <p:cNvSpPr>
             <a:spLocks noGrp="1"/>
           </p:cNvSpPr>
@@ -1442,13 +1244,7 @@
       </p:sp>
       <p:sp>
         <p:nvSpPr>
-          <p:cNvPr id="7" name="灯片编号占位符 6">
-            <a:extLst>
-              <a:ext uri="{FF2B5EF4-FFF2-40B4-BE49-F238E27FC236}">
-                <a16:creationId xmlns:a16="http://schemas.microsoft.com/office/drawing/2014/main" id="{4C265BAC-F967-46F7-A9D0-788BBC463B62}"/>
-              </a:ext>
-            </a:extLst>
-          </p:cNvPr>
+          <p:cNvPr id="7" name="灯片编号占位符 6"/>
           <p:cNvSpPr>
             <a:spLocks noGrp="1"/>
           </p:cNvSpPr>
@@ -1463,18 +1259,12 @@
           <a:p>
             <a:fld id="{8C571B56-7495-4EBD-8260-CDC087C0A14D}" type="slidenum">
               <a:rPr lang="zh-CN" altLang="en-US" smtClean="0"/>
-              <a:t>‹#›</a:t>
             </a:fld>
             <a:endParaRPr lang="zh-CN" altLang="en-US"/>
           </a:p>
         </p:txBody>
       </p:sp>
     </p:spTree>
-    <p:extLst>
-      <p:ext uri="{BB962C8B-B14F-4D97-AF65-F5344CB8AC3E}">
-        <p14:creationId xmlns:p14="http://schemas.microsoft.com/office/powerpoint/2010/main" val="92407042"/>
-      </p:ext>
-    </p:extLst>
   </p:cSld>
   <p:clrMapOvr>
     <a:masterClrMapping/>
@@ -1501,13 +1291,7 @@
       </p:grpSpPr>
       <p:sp>
         <p:nvSpPr>
-          <p:cNvPr id="2" name="标题 1">
-            <a:extLst>
-              <a:ext uri="{FF2B5EF4-FFF2-40B4-BE49-F238E27FC236}">
-                <a16:creationId xmlns:a16="http://schemas.microsoft.com/office/drawing/2014/main" id="{4A05B1D7-0DB6-46CA-B4AE-660F8B2BC7ED}"/>
-              </a:ext>
-            </a:extLst>
-          </p:cNvPr>
+          <p:cNvPr id="2" name="标题 1"/>
           <p:cNvSpPr>
             <a:spLocks noGrp="1"/>
           </p:cNvSpPr>
@@ -1534,18 +1318,12 @@
       </p:sp>
       <p:sp>
         <p:nvSpPr>
-          <p:cNvPr id="3" name="文本占位符 2">
-            <a:extLst>
-              <a:ext uri="{FF2B5EF4-FFF2-40B4-BE49-F238E27FC236}">
-                <a16:creationId xmlns:a16="http://schemas.microsoft.com/office/drawing/2014/main" id="{35DFBC6E-8B1B-4010-8244-94768B0575E3}"/>
-              </a:ext>
-            </a:extLst>
-          </p:cNvPr>
-          <p:cNvSpPr>
-            <a:spLocks noGrp="1"/>
-          </p:cNvSpPr>
-          <p:nvPr>
-            <p:ph type="body" idx="1"/>
+          <p:cNvPr id="3" name="文本占位符 2"/>
+          <p:cNvSpPr>
+            <a:spLocks noGrp="1"/>
+          </p:cNvSpPr>
+          <p:nvPr>
+            <p:ph type="body" idx="1" hasCustomPrompt="1"/>
           </p:nvPr>
         </p:nvSpPr>
         <p:spPr>
@@ -1605,18 +1383,12 @@
       </p:sp>
       <p:sp>
         <p:nvSpPr>
-          <p:cNvPr id="4" name="内容占位符 3">
-            <a:extLst>
-              <a:ext uri="{FF2B5EF4-FFF2-40B4-BE49-F238E27FC236}">
-                <a16:creationId xmlns:a16="http://schemas.microsoft.com/office/drawing/2014/main" id="{E136E42C-152B-4FA1-9115-4316E84EA0D9}"/>
-              </a:ext>
-            </a:extLst>
-          </p:cNvPr>
-          <p:cNvSpPr>
-            <a:spLocks noGrp="1"/>
-          </p:cNvSpPr>
-          <p:nvPr>
-            <p:ph sz="half" idx="2"/>
+          <p:cNvPr id="4" name="内容占位符 3"/>
+          <p:cNvSpPr>
+            <a:spLocks noGrp="1"/>
+          </p:cNvSpPr>
+          <p:nvPr>
+            <p:ph sz="half" idx="2" hasCustomPrompt="1"/>
           </p:nvPr>
         </p:nvSpPr>
         <p:spPr>
@@ -1634,6 +1406,7 @@
               <a:rPr lang="zh-CN" altLang="en-US"/>
               <a:t>编辑母版文本样式</a:t>
             </a:r>
+            <a:endParaRPr lang="zh-CN" altLang="en-US"/>
           </a:p>
           <a:p>
             <a:pPr lvl="1"/>
@@ -1641,6 +1414,7 @@
               <a:rPr lang="zh-CN" altLang="en-US"/>
               <a:t>第二级</a:t>
             </a:r>
+            <a:endParaRPr lang="zh-CN" altLang="en-US"/>
           </a:p>
           <a:p>
             <a:pPr lvl="2"/>
@@ -1648,6 +1422,7 @@
               <a:rPr lang="zh-CN" altLang="en-US"/>
               <a:t>第三级</a:t>
             </a:r>
+            <a:endParaRPr lang="zh-CN" altLang="en-US"/>
           </a:p>
           <a:p>
             <a:pPr lvl="3"/>
@@ -1655,6 +1430,7 @@
               <a:rPr lang="zh-CN" altLang="en-US"/>
               <a:t>第四级</a:t>
             </a:r>
+            <a:endParaRPr lang="zh-CN" altLang="en-US"/>
           </a:p>
           <a:p>
             <a:pPr lvl="4"/>
@@ -1667,18 +1443,12 @@
       </p:sp>
       <p:sp>
         <p:nvSpPr>
-          <p:cNvPr id="5" name="文本占位符 4">
-            <a:extLst>
-              <a:ext uri="{FF2B5EF4-FFF2-40B4-BE49-F238E27FC236}">
-                <a16:creationId xmlns:a16="http://schemas.microsoft.com/office/drawing/2014/main" id="{92382DC3-5BB2-41BC-8C69-1FCEAB323375}"/>
-              </a:ext>
-            </a:extLst>
-          </p:cNvPr>
-          <p:cNvSpPr>
-            <a:spLocks noGrp="1"/>
-          </p:cNvSpPr>
-          <p:nvPr>
-            <p:ph type="body" sz="quarter" idx="3"/>
+          <p:cNvPr id="5" name="文本占位符 4"/>
+          <p:cNvSpPr>
+            <a:spLocks noGrp="1"/>
+          </p:cNvSpPr>
+          <p:nvPr>
+            <p:ph type="body" sz="quarter" idx="3" hasCustomPrompt="1"/>
           </p:nvPr>
         </p:nvSpPr>
         <p:spPr>
@@ -1738,18 +1508,12 @@
       </p:sp>
       <p:sp>
         <p:nvSpPr>
-          <p:cNvPr id="6" name="内容占位符 5">
-            <a:extLst>
-              <a:ext uri="{FF2B5EF4-FFF2-40B4-BE49-F238E27FC236}">
-                <a16:creationId xmlns:a16="http://schemas.microsoft.com/office/drawing/2014/main" id="{464F6496-91D9-46B1-81B0-EE912211E436}"/>
-              </a:ext>
-            </a:extLst>
-          </p:cNvPr>
-          <p:cNvSpPr>
-            <a:spLocks noGrp="1"/>
-          </p:cNvSpPr>
-          <p:nvPr>
-            <p:ph sz="quarter" idx="4"/>
+          <p:cNvPr id="6" name="内容占位符 5"/>
+          <p:cNvSpPr>
+            <a:spLocks noGrp="1"/>
+          </p:cNvSpPr>
+          <p:nvPr>
+            <p:ph sz="quarter" idx="4" hasCustomPrompt="1"/>
           </p:nvPr>
         </p:nvSpPr>
         <p:spPr>
@@ -1767,6 +1531,7 @@
               <a:rPr lang="zh-CN" altLang="en-US"/>
               <a:t>编辑母版文本样式</a:t>
             </a:r>
+            <a:endParaRPr lang="zh-CN" altLang="en-US"/>
           </a:p>
           <a:p>
             <a:pPr lvl="1"/>
@@ -1774,6 +1539,7 @@
               <a:rPr lang="zh-CN" altLang="en-US"/>
               <a:t>第二级</a:t>
             </a:r>
+            <a:endParaRPr lang="zh-CN" altLang="en-US"/>
           </a:p>
           <a:p>
             <a:pPr lvl="2"/>
@@ -1781,6 +1547,7 @@
               <a:rPr lang="zh-CN" altLang="en-US"/>
               <a:t>第三级</a:t>
             </a:r>
+            <a:endParaRPr lang="zh-CN" altLang="en-US"/>
           </a:p>
           <a:p>
             <a:pPr lvl="3"/>
@@ -1788,6 +1555,7 @@
               <a:rPr lang="zh-CN" altLang="en-US"/>
               <a:t>第四级</a:t>
             </a:r>
+            <a:endParaRPr lang="zh-CN" altLang="en-US"/>
           </a:p>
           <a:p>
             <a:pPr lvl="4"/>
@@ -1800,13 +1568,7 @@
       </p:sp>
       <p:sp>
         <p:nvSpPr>
-          <p:cNvPr id="7" name="日期占位符 6">
-            <a:extLst>
-              <a:ext uri="{FF2B5EF4-FFF2-40B4-BE49-F238E27FC236}">
-                <a16:creationId xmlns:a16="http://schemas.microsoft.com/office/drawing/2014/main" id="{E2676797-EAC2-408A-8F92-B422940FF3C3}"/>
-              </a:ext>
-            </a:extLst>
-          </p:cNvPr>
+          <p:cNvPr id="7" name="日期占位符 6"/>
           <p:cNvSpPr>
             <a:spLocks noGrp="1"/>
           </p:cNvSpPr>
@@ -1821,7 +1583,6 @@
           <a:p>
             <a:fld id="{18BB48A8-A11C-4F8D-B04A-1AC2B146D343}" type="datetimeFigureOut">
               <a:rPr lang="zh-CN" altLang="en-US" smtClean="0"/>
-              <a:t>2018/4/2</a:t>
             </a:fld>
             <a:endParaRPr lang="zh-CN" altLang="en-US"/>
           </a:p>
@@ -1829,13 +1590,7 @@
       </p:sp>
       <p:sp>
         <p:nvSpPr>
-          <p:cNvPr id="8" name="页脚占位符 7">
-            <a:extLst>
-              <a:ext uri="{FF2B5EF4-FFF2-40B4-BE49-F238E27FC236}">
-                <a16:creationId xmlns:a16="http://schemas.microsoft.com/office/drawing/2014/main" id="{57F30D14-5837-4EBF-92D7-7F9C9E1714AA}"/>
-              </a:ext>
-            </a:extLst>
-          </p:cNvPr>
+          <p:cNvPr id="8" name="页脚占位符 7"/>
           <p:cNvSpPr>
             <a:spLocks noGrp="1"/>
           </p:cNvSpPr>
@@ -1854,13 +1609,7 @@
       </p:sp>
       <p:sp>
         <p:nvSpPr>
-          <p:cNvPr id="9" name="灯片编号占位符 8">
-            <a:extLst>
-              <a:ext uri="{FF2B5EF4-FFF2-40B4-BE49-F238E27FC236}">
-                <a16:creationId xmlns:a16="http://schemas.microsoft.com/office/drawing/2014/main" id="{2DB233D4-8146-4DD0-B77A-D1B1EF0E7D8B}"/>
-              </a:ext>
-            </a:extLst>
-          </p:cNvPr>
+          <p:cNvPr id="9" name="灯片编号占位符 8"/>
           <p:cNvSpPr>
             <a:spLocks noGrp="1"/>
           </p:cNvSpPr>
@@ -1875,18 +1624,12 @@
           <a:p>
             <a:fld id="{8C571B56-7495-4EBD-8260-CDC087C0A14D}" type="slidenum">
               <a:rPr lang="zh-CN" altLang="en-US" smtClean="0"/>
-              <a:t>‹#›</a:t>
             </a:fld>
             <a:endParaRPr lang="zh-CN" altLang="en-US"/>
           </a:p>
         </p:txBody>
       </p:sp>
     </p:spTree>
-    <p:extLst>
-      <p:ext uri="{BB962C8B-B14F-4D97-AF65-F5344CB8AC3E}">
-        <p14:creationId xmlns:p14="http://schemas.microsoft.com/office/powerpoint/2010/main" val="239282406"/>
-      </p:ext>
-    </p:extLst>
   </p:cSld>
   <p:clrMapOvr>
     <a:masterClrMapping/>
@@ -1913,13 +1656,7 @@
       </p:grpSpPr>
       <p:sp>
         <p:nvSpPr>
-          <p:cNvPr id="2" name="标题 1">
-            <a:extLst>
-              <a:ext uri="{FF2B5EF4-FFF2-40B4-BE49-F238E27FC236}">
-                <a16:creationId xmlns:a16="http://schemas.microsoft.com/office/drawing/2014/main" id="{F224C719-197B-4F16-AAD7-A8638BB031EA}"/>
-              </a:ext>
-            </a:extLst>
-          </p:cNvPr>
+          <p:cNvPr id="2" name="标题 1"/>
           <p:cNvSpPr>
             <a:spLocks noGrp="1"/>
           </p:cNvSpPr>
@@ -1941,13 +1678,7 @@
       </p:sp>
       <p:sp>
         <p:nvSpPr>
-          <p:cNvPr id="3" name="日期占位符 2">
-            <a:extLst>
-              <a:ext uri="{FF2B5EF4-FFF2-40B4-BE49-F238E27FC236}">
-                <a16:creationId xmlns:a16="http://schemas.microsoft.com/office/drawing/2014/main" id="{12E52151-EB61-4C6C-8B51-73EA169EEB0B}"/>
-              </a:ext>
-            </a:extLst>
-          </p:cNvPr>
+          <p:cNvPr id="3" name="日期占位符 2"/>
           <p:cNvSpPr>
             <a:spLocks noGrp="1"/>
           </p:cNvSpPr>
@@ -1962,7 +1693,6 @@
           <a:p>
             <a:fld id="{18BB48A8-A11C-4F8D-B04A-1AC2B146D343}" type="datetimeFigureOut">
               <a:rPr lang="zh-CN" altLang="en-US" smtClean="0"/>
-              <a:t>2018/4/2</a:t>
             </a:fld>
             <a:endParaRPr lang="zh-CN" altLang="en-US"/>
           </a:p>
@@ -1970,13 +1700,7 @@
       </p:sp>
       <p:sp>
         <p:nvSpPr>
-          <p:cNvPr id="4" name="页脚占位符 3">
-            <a:extLst>
-              <a:ext uri="{FF2B5EF4-FFF2-40B4-BE49-F238E27FC236}">
-                <a16:creationId xmlns:a16="http://schemas.microsoft.com/office/drawing/2014/main" id="{9E469E0E-1355-4247-816D-EED9B462C7CE}"/>
-              </a:ext>
-            </a:extLst>
-          </p:cNvPr>
+          <p:cNvPr id="4" name="页脚占位符 3"/>
           <p:cNvSpPr>
             <a:spLocks noGrp="1"/>
           </p:cNvSpPr>
@@ -1995,13 +1719,7 @@
       </p:sp>
       <p:sp>
         <p:nvSpPr>
-          <p:cNvPr id="5" name="灯片编号占位符 4">
-            <a:extLst>
-              <a:ext uri="{FF2B5EF4-FFF2-40B4-BE49-F238E27FC236}">
-                <a16:creationId xmlns:a16="http://schemas.microsoft.com/office/drawing/2014/main" id="{1E71D9B4-CEF1-4868-8A68-38EF51A40D54}"/>
-              </a:ext>
-            </a:extLst>
-          </p:cNvPr>
+          <p:cNvPr id="5" name="灯片编号占位符 4"/>
           <p:cNvSpPr>
             <a:spLocks noGrp="1"/>
           </p:cNvSpPr>
@@ -2016,18 +1734,12 @@
           <a:p>
             <a:fld id="{8C571B56-7495-4EBD-8260-CDC087C0A14D}" type="slidenum">
               <a:rPr lang="zh-CN" altLang="en-US" smtClean="0"/>
-              <a:t>‹#›</a:t>
             </a:fld>
             <a:endParaRPr lang="zh-CN" altLang="en-US"/>
           </a:p>
         </p:txBody>
       </p:sp>
     </p:spTree>
-    <p:extLst>
-      <p:ext uri="{BB962C8B-B14F-4D97-AF65-F5344CB8AC3E}">
-        <p14:creationId xmlns:p14="http://schemas.microsoft.com/office/powerpoint/2010/main" val="3529142755"/>
-      </p:ext>
-    </p:extLst>
   </p:cSld>
   <p:clrMapOvr>
     <a:masterClrMapping/>
@@ -2054,13 +1766,7 @@
       </p:grpSpPr>
       <p:sp>
         <p:nvSpPr>
-          <p:cNvPr id="2" name="日期占位符 1">
-            <a:extLst>
-              <a:ext uri="{FF2B5EF4-FFF2-40B4-BE49-F238E27FC236}">
-                <a16:creationId xmlns:a16="http://schemas.microsoft.com/office/drawing/2014/main" id="{E9509224-D0F0-4F4E-8304-F1B048BE2354}"/>
-              </a:ext>
-            </a:extLst>
-          </p:cNvPr>
+          <p:cNvPr id="2" name="日期占位符 1"/>
           <p:cNvSpPr>
             <a:spLocks noGrp="1"/>
           </p:cNvSpPr>
@@ -2075,7 +1781,6 @@
           <a:p>
             <a:fld id="{18BB48A8-A11C-4F8D-B04A-1AC2B146D343}" type="datetimeFigureOut">
               <a:rPr lang="zh-CN" altLang="en-US" smtClean="0"/>
-              <a:t>2018/4/2</a:t>
             </a:fld>
             <a:endParaRPr lang="zh-CN" altLang="en-US"/>
           </a:p>
@@ -2083,13 +1788,7 @@
       </p:sp>
       <p:sp>
         <p:nvSpPr>
-          <p:cNvPr id="3" name="页脚占位符 2">
-            <a:extLst>
-              <a:ext uri="{FF2B5EF4-FFF2-40B4-BE49-F238E27FC236}">
-                <a16:creationId xmlns:a16="http://schemas.microsoft.com/office/drawing/2014/main" id="{3FA8119B-1DB4-4249-ACD5-1A722386C7CF}"/>
-              </a:ext>
-            </a:extLst>
-          </p:cNvPr>
+          <p:cNvPr id="3" name="页脚占位符 2"/>
           <p:cNvSpPr>
             <a:spLocks noGrp="1"/>
           </p:cNvSpPr>
@@ -2108,13 +1807,7 @@
       </p:sp>
       <p:sp>
         <p:nvSpPr>
-          <p:cNvPr id="4" name="灯片编号占位符 3">
-            <a:extLst>
-              <a:ext uri="{FF2B5EF4-FFF2-40B4-BE49-F238E27FC236}">
-                <a16:creationId xmlns:a16="http://schemas.microsoft.com/office/drawing/2014/main" id="{8C12ED5E-A6C0-4C32-B30C-06DA2D2490CC}"/>
-              </a:ext>
-            </a:extLst>
-          </p:cNvPr>
+          <p:cNvPr id="4" name="灯片编号占位符 3"/>
           <p:cNvSpPr>
             <a:spLocks noGrp="1"/>
           </p:cNvSpPr>
@@ -2129,18 +1822,12 @@
           <a:p>
             <a:fld id="{8C571B56-7495-4EBD-8260-CDC087C0A14D}" type="slidenum">
               <a:rPr lang="zh-CN" altLang="en-US" smtClean="0"/>
-              <a:t>‹#›</a:t>
             </a:fld>
             <a:endParaRPr lang="zh-CN" altLang="en-US"/>
           </a:p>
         </p:txBody>
       </p:sp>
     </p:spTree>
-    <p:extLst>
-      <p:ext uri="{BB962C8B-B14F-4D97-AF65-F5344CB8AC3E}">
-        <p14:creationId xmlns:p14="http://schemas.microsoft.com/office/powerpoint/2010/main" val="3744814063"/>
-      </p:ext>
-    </p:extLst>
   </p:cSld>
   <p:clrMapOvr>
     <a:masterClrMapping/>
@@ -2167,13 +1854,7 @@
       </p:grpSpPr>
       <p:sp>
         <p:nvSpPr>
-          <p:cNvPr id="2" name="标题 1">
-            <a:extLst>
-              <a:ext uri="{FF2B5EF4-FFF2-40B4-BE49-F238E27FC236}">
-                <a16:creationId xmlns:a16="http://schemas.microsoft.com/office/drawing/2014/main" id="{2B915AC2-1753-455F-BD05-57561A713A03}"/>
-              </a:ext>
-            </a:extLst>
-          </p:cNvPr>
+          <p:cNvPr id="2" name="标题 1"/>
           <p:cNvSpPr>
             <a:spLocks noGrp="1"/>
           </p:cNvSpPr>
@@ -2204,18 +1885,12 @@
       </p:sp>
       <p:sp>
         <p:nvSpPr>
-          <p:cNvPr id="3" name="内容占位符 2">
-            <a:extLst>
-              <a:ext uri="{FF2B5EF4-FFF2-40B4-BE49-F238E27FC236}">
-                <a16:creationId xmlns:a16="http://schemas.microsoft.com/office/drawing/2014/main" id="{2EDE8CC5-0562-4FE2-951D-BEBF20958174}"/>
-              </a:ext>
-            </a:extLst>
-          </p:cNvPr>
-          <p:cNvSpPr>
-            <a:spLocks noGrp="1"/>
-          </p:cNvSpPr>
-          <p:nvPr>
-            <p:ph idx="1"/>
+          <p:cNvPr id="3" name="内容占位符 2"/>
+          <p:cNvSpPr>
+            <a:spLocks noGrp="1"/>
+          </p:cNvSpPr>
+          <p:nvPr>
+            <p:ph idx="1" hasCustomPrompt="1"/>
           </p:nvPr>
         </p:nvSpPr>
         <p:spPr>
@@ -2261,6 +1936,7 @@
               <a:rPr lang="zh-CN" altLang="en-US"/>
               <a:t>编辑母版文本样式</a:t>
             </a:r>
+            <a:endParaRPr lang="zh-CN" altLang="en-US"/>
           </a:p>
           <a:p>
             <a:pPr lvl="1"/>
@@ -2268,6 +1944,7 @@
               <a:rPr lang="zh-CN" altLang="en-US"/>
               <a:t>第二级</a:t>
             </a:r>
+            <a:endParaRPr lang="zh-CN" altLang="en-US"/>
           </a:p>
           <a:p>
             <a:pPr lvl="2"/>
@@ -2275,6 +1952,7 @@
               <a:rPr lang="zh-CN" altLang="en-US"/>
               <a:t>第三级</a:t>
             </a:r>
+            <a:endParaRPr lang="zh-CN" altLang="en-US"/>
           </a:p>
           <a:p>
             <a:pPr lvl="3"/>
@@ -2282,6 +1960,7 @@
               <a:rPr lang="zh-CN" altLang="en-US"/>
               <a:t>第四级</a:t>
             </a:r>
+            <a:endParaRPr lang="zh-CN" altLang="en-US"/>
           </a:p>
           <a:p>
             <a:pPr lvl="4"/>
@@ -2294,18 +1973,12 @@
       </p:sp>
       <p:sp>
         <p:nvSpPr>
-          <p:cNvPr id="4" name="文本占位符 3">
-            <a:extLst>
-              <a:ext uri="{FF2B5EF4-FFF2-40B4-BE49-F238E27FC236}">
-                <a16:creationId xmlns:a16="http://schemas.microsoft.com/office/drawing/2014/main" id="{07E7DE77-ABD5-49E8-9498-5B89916DD6AB}"/>
-              </a:ext>
-            </a:extLst>
-          </p:cNvPr>
-          <p:cNvSpPr>
-            <a:spLocks noGrp="1"/>
-          </p:cNvSpPr>
-          <p:nvPr>
-            <p:ph type="body" sz="half" idx="2"/>
+          <p:cNvPr id="4" name="文本占位符 3"/>
+          <p:cNvSpPr>
+            <a:spLocks noGrp="1"/>
+          </p:cNvSpPr>
+          <p:nvPr>
+            <p:ph type="body" sz="half" idx="2" hasCustomPrompt="1"/>
           </p:nvPr>
         </p:nvSpPr>
         <p:spPr>
@@ -2365,13 +2038,7 @@
       </p:sp>
       <p:sp>
         <p:nvSpPr>
-          <p:cNvPr id="5" name="日期占位符 4">
-            <a:extLst>
-              <a:ext uri="{FF2B5EF4-FFF2-40B4-BE49-F238E27FC236}">
-                <a16:creationId xmlns:a16="http://schemas.microsoft.com/office/drawing/2014/main" id="{216CE842-7084-4085-9DE0-DD57EF00599E}"/>
-              </a:ext>
-            </a:extLst>
-          </p:cNvPr>
+          <p:cNvPr id="5" name="日期占位符 4"/>
           <p:cNvSpPr>
             <a:spLocks noGrp="1"/>
           </p:cNvSpPr>
@@ -2386,7 +2053,6 @@
           <a:p>
             <a:fld id="{18BB48A8-A11C-4F8D-B04A-1AC2B146D343}" type="datetimeFigureOut">
               <a:rPr lang="zh-CN" altLang="en-US" smtClean="0"/>
-              <a:t>2018/4/2</a:t>
             </a:fld>
             <a:endParaRPr lang="zh-CN" altLang="en-US"/>
           </a:p>
@@ -2394,13 +2060,7 @@
       </p:sp>
       <p:sp>
         <p:nvSpPr>
-          <p:cNvPr id="6" name="页脚占位符 5">
-            <a:extLst>
-              <a:ext uri="{FF2B5EF4-FFF2-40B4-BE49-F238E27FC236}">
-                <a16:creationId xmlns:a16="http://schemas.microsoft.com/office/drawing/2014/main" id="{17D964A3-1398-46C1-9565-DADC4C10E444}"/>
-              </a:ext>
-            </a:extLst>
-          </p:cNvPr>
+          <p:cNvPr id="6" name="页脚占位符 5"/>
           <p:cNvSpPr>
             <a:spLocks noGrp="1"/>
           </p:cNvSpPr>
@@ -2419,13 +2079,7 @@
       </p:sp>
       <p:sp>
         <p:nvSpPr>
-          <p:cNvPr id="7" name="灯片编号占位符 6">
-            <a:extLst>
-              <a:ext uri="{FF2B5EF4-FFF2-40B4-BE49-F238E27FC236}">
-                <a16:creationId xmlns:a16="http://schemas.microsoft.com/office/drawing/2014/main" id="{17AD7BA6-4C71-4690-B5D8-960E8BCD446A}"/>
-              </a:ext>
-            </a:extLst>
-          </p:cNvPr>
+          <p:cNvPr id="7" name="灯片编号占位符 6"/>
           <p:cNvSpPr>
             <a:spLocks noGrp="1"/>
           </p:cNvSpPr>
@@ -2440,18 +2094,12 @@
           <a:p>
             <a:fld id="{8C571B56-7495-4EBD-8260-CDC087C0A14D}" type="slidenum">
               <a:rPr lang="zh-CN" altLang="en-US" smtClean="0"/>
-              <a:t>‹#›</a:t>
             </a:fld>
             <a:endParaRPr lang="zh-CN" altLang="en-US"/>
           </a:p>
         </p:txBody>
       </p:sp>
     </p:spTree>
-    <p:extLst>
-      <p:ext uri="{BB962C8B-B14F-4D97-AF65-F5344CB8AC3E}">
-        <p14:creationId xmlns:p14="http://schemas.microsoft.com/office/powerpoint/2010/main" val="361644986"/>
-      </p:ext>
-    </p:extLst>
   </p:cSld>
   <p:clrMapOvr>
     <a:masterClrMapping/>
@@ -2478,13 +2126,7 @@
       </p:grpSpPr>
       <p:sp>
         <p:nvSpPr>
-          <p:cNvPr id="2" name="标题 1">
-            <a:extLst>
-              <a:ext uri="{FF2B5EF4-FFF2-40B4-BE49-F238E27FC236}">
-                <a16:creationId xmlns:a16="http://schemas.microsoft.com/office/drawing/2014/main" id="{AA73A8A8-A96F-45BA-A699-E8135DCE3F6F}"/>
-              </a:ext>
-            </a:extLst>
-          </p:cNvPr>
+          <p:cNvPr id="2" name="标题 1"/>
           <p:cNvSpPr>
             <a:spLocks noGrp="1"/>
           </p:cNvSpPr>
@@ -2515,13 +2157,7 @@
       </p:sp>
       <p:sp>
         <p:nvSpPr>
-          <p:cNvPr id="3" name="图片占位符 2">
-            <a:extLst>
-              <a:ext uri="{FF2B5EF4-FFF2-40B4-BE49-F238E27FC236}">
-                <a16:creationId xmlns:a16="http://schemas.microsoft.com/office/drawing/2014/main" id="{329975AE-07C7-46AE-941E-61D411C70C64}"/>
-              </a:ext>
-            </a:extLst>
-          </p:cNvPr>
+          <p:cNvPr id="3" name="图片占位符 2"/>
           <p:cNvSpPr>
             <a:spLocks noGrp="1"/>
           </p:cNvSpPr>
@@ -2582,18 +2218,12 @@
       </p:sp>
       <p:sp>
         <p:nvSpPr>
-          <p:cNvPr id="4" name="文本占位符 3">
-            <a:extLst>
-              <a:ext uri="{FF2B5EF4-FFF2-40B4-BE49-F238E27FC236}">
-                <a16:creationId xmlns:a16="http://schemas.microsoft.com/office/drawing/2014/main" id="{15158925-454D-4BCF-BE56-A3998C88DF91}"/>
-              </a:ext>
-            </a:extLst>
-          </p:cNvPr>
-          <p:cNvSpPr>
-            <a:spLocks noGrp="1"/>
-          </p:cNvSpPr>
-          <p:nvPr>
-            <p:ph type="body" sz="half" idx="2"/>
+          <p:cNvPr id="4" name="文本占位符 3"/>
+          <p:cNvSpPr>
+            <a:spLocks noGrp="1"/>
+          </p:cNvSpPr>
+          <p:nvPr>
+            <p:ph type="body" sz="half" idx="2" hasCustomPrompt="1"/>
           </p:nvPr>
         </p:nvSpPr>
         <p:spPr>
@@ -2653,13 +2283,7 @@
       </p:sp>
       <p:sp>
         <p:nvSpPr>
-          <p:cNvPr id="5" name="日期占位符 4">
-            <a:extLst>
-              <a:ext uri="{FF2B5EF4-FFF2-40B4-BE49-F238E27FC236}">
-                <a16:creationId xmlns:a16="http://schemas.microsoft.com/office/drawing/2014/main" id="{C4842A83-D61F-4D4B-9441-8E4193688AB8}"/>
-              </a:ext>
-            </a:extLst>
-          </p:cNvPr>
+          <p:cNvPr id="5" name="日期占位符 4"/>
           <p:cNvSpPr>
             <a:spLocks noGrp="1"/>
           </p:cNvSpPr>
@@ -2674,7 +2298,6 @@
           <a:p>
             <a:fld id="{18BB48A8-A11C-4F8D-B04A-1AC2B146D343}" type="datetimeFigureOut">
               <a:rPr lang="zh-CN" altLang="en-US" smtClean="0"/>
-              <a:t>2018/4/2</a:t>
             </a:fld>
             <a:endParaRPr lang="zh-CN" altLang="en-US"/>
           </a:p>
@@ -2682,13 +2305,7 @@
       </p:sp>
       <p:sp>
         <p:nvSpPr>
-          <p:cNvPr id="6" name="页脚占位符 5">
-            <a:extLst>
-              <a:ext uri="{FF2B5EF4-FFF2-40B4-BE49-F238E27FC236}">
-                <a16:creationId xmlns:a16="http://schemas.microsoft.com/office/drawing/2014/main" id="{A66AF1E5-EA2A-4A84-9D91-191BD86A724D}"/>
-              </a:ext>
-            </a:extLst>
-          </p:cNvPr>
+          <p:cNvPr id="6" name="页脚占位符 5"/>
           <p:cNvSpPr>
             <a:spLocks noGrp="1"/>
           </p:cNvSpPr>
@@ -2707,13 +2324,7 @@
       </p:sp>
       <p:sp>
         <p:nvSpPr>
-          <p:cNvPr id="7" name="灯片编号占位符 6">
-            <a:extLst>
-              <a:ext uri="{FF2B5EF4-FFF2-40B4-BE49-F238E27FC236}">
-                <a16:creationId xmlns:a16="http://schemas.microsoft.com/office/drawing/2014/main" id="{1A24C531-9F53-4E1D-AB6D-2DE05F6A9CDE}"/>
-              </a:ext>
-            </a:extLst>
-          </p:cNvPr>
+          <p:cNvPr id="7" name="灯片编号占位符 6"/>
           <p:cNvSpPr>
             <a:spLocks noGrp="1"/>
           </p:cNvSpPr>
@@ -2728,18 +2339,12 @@
           <a:p>
             <a:fld id="{8C571B56-7495-4EBD-8260-CDC087C0A14D}" type="slidenum">
               <a:rPr lang="zh-CN" altLang="en-US" smtClean="0"/>
-              <a:t>‹#›</a:t>
             </a:fld>
             <a:endParaRPr lang="zh-CN" altLang="en-US"/>
           </a:p>
         </p:txBody>
       </p:sp>
     </p:spTree>
-    <p:extLst>
-      <p:ext uri="{BB962C8B-B14F-4D97-AF65-F5344CB8AC3E}">
-        <p14:creationId xmlns:p14="http://schemas.microsoft.com/office/powerpoint/2010/main" val="814803466"/>
-      </p:ext>
-    </p:extLst>
   </p:cSld>
   <p:clrMapOvr>
     <a:masterClrMapping/>
@@ -2753,7 +2358,7 @@
     <p:bg>
       <p:bgPr>
         <a:blipFill dpi="0" rotWithShape="1">
-          <a:blip r:embed="rId13">
+          <a:blip r:embed="rId12">
             <a:lum/>
           </a:blip>
           <a:srcRect/>
@@ -2780,13 +2385,7 @@
       </p:grpSpPr>
       <p:sp>
         <p:nvSpPr>
-          <p:cNvPr id="2" name="标题占位符 1">
-            <a:extLst>
-              <a:ext uri="{FF2B5EF4-FFF2-40B4-BE49-F238E27FC236}">
-                <a16:creationId xmlns:a16="http://schemas.microsoft.com/office/drawing/2014/main" id="{17B046A6-DBBE-4362-925B-72D529EC2FFB}"/>
-              </a:ext>
-            </a:extLst>
-          </p:cNvPr>
+          <p:cNvPr id="2" name="标题占位符 1"/>
           <p:cNvSpPr>
             <a:spLocks noGrp="1"/>
           </p:cNvSpPr>
@@ -2818,13 +2417,7 @@
       </p:sp>
       <p:sp>
         <p:nvSpPr>
-          <p:cNvPr id="3" name="文本占位符 2">
-            <a:extLst>
-              <a:ext uri="{FF2B5EF4-FFF2-40B4-BE49-F238E27FC236}">
-                <a16:creationId xmlns:a16="http://schemas.microsoft.com/office/drawing/2014/main" id="{CDEEBE25-DDC9-4FAF-AA64-23399523442E}"/>
-              </a:ext>
-            </a:extLst>
-          </p:cNvPr>
+          <p:cNvPr id="3" name="文本占位符 2"/>
           <p:cNvSpPr>
             <a:spLocks noGrp="1"/>
           </p:cNvSpPr>
@@ -2852,6 +2445,7 @@
               <a:rPr lang="zh-CN" altLang="en-US"/>
               <a:t>编辑母版文本样式</a:t>
             </a:r>
+            <a:endParaRPr lang="zh-CN" altLang="en-US"/>
           </a:p>
           <a:p>
             <a:pPr lvl="1"/>
@@ -2859,6 +2453,7 @@
               <a:rPr lang="zh-CN" altLang="en-US"/>
               <a:t>第二级</a:t>
             </a:r>
+            <a:endParaRPr lang="zh-CN" altLang="en-US"/>
           </a:p>
           <a:p>
             <a:pPr lvl="2"/>
@@ -2866,6 +2461,7 @@
               <a:rPr lang="zh-CN" altLang="en-US"/>
               <a:t>第三级</a:t>
             </a:r>
+            <a:endParaRPr lang="zh-CN" altLang="en-US"/>
           </a:p>
           <a:p>
             <a:pPr lvl="3"/>
@@ -2873,6 +2469,7 @@
               <a:rPr lang="zh-CN" altLang="en-US"/>
               <a:t>第四级</a:t>
             </a:r>
+            <a:endParaRPr lang="zh-CN" altLang="en-US"/>
           </a:p>
           <a:p>
             <a:pPr lvl="4"/>
@@ -2885,13 +2482,7 @@
       </p:sp>
       <p:sp>
         <p:nvSpPr>
-          <p:cNvPr id="4" name="日期占位符 3">
-            <a:extLst>
-              <a:ext uri="{FF2B5EF4-FFF2-40B4-BE49-F238E27FC236}">
-                <a16:creationId xmlns:a16="http://schemas.microsoft.com/office/drawing/2014/main" id="{D423C637-EE74-46D3-9CFB-319E64C2ED01}"/>
-              </a:ext>
-            </a:extLst>
-          </p:cNvPr>
+          <p:cNvPr id="4" name="日期占位符 3"/>
           <p:cNvSpPr>
             <a:spLocks noGrp="1"/>
           </p:cNvSpPr>
@@ -2924,7 +2515,6 @@
           <a:p>
             <a:fld id="{18BB48A8-A11C-4F8D-B04A-1AC2B146D343}" type="datetimeFigureOut">
               <a:rPr lang="zh-CN" altLang="en-US" smtClean="0"/>
-              <a:t>2018/4/2</a:t>
             </a:fld>
             <a:endParaRPr lang="zh-CN" altLang="en-US"/>
           </a:p>
@@ -2932,13 +2522,7 @@
       </p:sp>
       <p:sp>
         <p:nvSpPr>
-          <p:cNvPr id="5" name="页脚占位符 4">
-            <a:extLst>
-              <a:ext uri="{FF2B5EF4-FFF2-40B4-BE49-F238E27FC236}">
-                <a16:creationId xmlns:a16="http://schemas.microsoft.com/office/drawing/2014/main" id="{42F73E4F-D4FF-4197-BCBC-97B9968E4ED0}"/>
-              </a:ext>
-            </a:extLst>
-          </p:cNvPr>
+          <p:cNvPr id="5" name="页脚占位符 4"/>
           <p:cNvSpPr>
             <a:spLocks noGrp="1"/>
           </p:cNvSpPr>
@@ -2975,13 +2559,7 @@
       </p:sp>
       <p:sp>
         <p:nvSpPr>
-          <p:cNvPr id="6" name="灯片编号占位符 5">
-            <a:extLst>
-              <a:ext uri="{FF2B5EF4-FFF2-40B4-BE49-F238E27FC236}">
-                <a16:creationId xmlns:a16="http://schemas.microsoft.com/office/drawing/2014/main" id="{C63DB8D1-D1B9-4316-9ED5-E1E2EB5A78EA}"/>
-              </a:ext>
-            </a:extLst>
-          </p:cNvPr>
+          <p:cNvPr id="6" name="灯片编号占位符 5"/>
           <p:cNvSpPr>
             <a:spLocks noGrp="1"/>
           </p:cNvSpPr>
@@ -3014,18 +2592,12 @@
           <a:p>
             <a:fld id="{8C571B56-7495-4EBD-8260-CDC087C0A14D}" type="slidenum">
               <a:rPr lang="zh-CN" altLang="en-US" smtClean="0"/>
-              <a:t>‹#›</a:t>
             </a:fld>
             <a:endParaRPr lang="zh-CN" altLang="en-US"/>
           </a:p>
         </p:txBody>
       </p:sp>
     </p:spTree>
-    <p:extLst>
-      <p:ext uri="{BB962C8B-B14F-4D97-AF65-F5344CB8AC3E}">
-        <p14:creationId xmlns:p14="http://schemas.microsoft.com/office/powerpoint/2010/main" val="1190037756"/>
-      </p:ext>
-    </p:extLst>
   </p:cSld>
   <p:clrMap bg1="lt1" tx1="dk1" bg2="lt2" tx2="dk2" accent1="accent1" accent2="accent2" accent3="accent3" accent4="accent4" accent5="accent5" accent6="accent6" hlink="hlink" folHlink="folHlink"/>
   <p:sldLayoutIdLst>
@@ -3069,7 +2641,7 @@
         <a:spcBef>
           <a:spcPts val="1000"/>
         </a:spcBef>
-        <a:buFont typeface="Arial" panose="020B0604020202020204" pitchFamily="34" charset="0"/>
+        <a:buFont typeface="Arial" panose="02080604020202020204" charset="0"/>
         <a:buChar char="•"/>
         <a:defRPr sz="2800" kern="1200">
           <a:solidFill>
@@ -3087,7 +2659,7 @@
         <a:spcBef>
           <a:spcPts val="500"/>
         </a:spcBef>
-        <a:buFont typeface="Arial" panose="020B0604020202020204" pitchFamily="34" charset="0"/>
+        <a:buFont typeface="Arial" panose="02080604020202020204" charset="0"/>
         <a:buChar char="•"/>
         <a:defRPr sz="2400" kern="1200">
           <a:solidFill>
@@ -3105,7 +2677,7 @@
         <a:spcBef>
           <a:spcPts val="500"/>
         </a:spcBef>
-        <a:buFont typeface="Arial" panose="020B0604020202020204" pitchFamily="34" charset="0"/>
+        <a:buFont typeface="Arial" panose="02080604020202020204" charset="0"/>
         <a:buChar char="•"/>
         <a:defRPr sz="2000" kern="1200">
           <a:solidFill>
@@ -3123,7 +2695,7 @@
         <a:spcBef>
           <a:spcPts val="500"/>
         </a:spcBef>
-        <a:buFont typeface="Arial" panose="020B0604020202020204" pitchFamily="34" charset="0"/>
+        <a:buFont typeface="Arial" panose="02080604020202020204" charset="0"/>
         <a:buChar char="•"/>
         <a:defRPr sz="1800" kern="1200">
           <a:solidFill>
@@ -3141,7 +2713,7 @@
         <a:spcBef>
           <a:spcPts val="500"/>
         </a:spcBef>
-        <a:buFont typeface="Arial" panose="020B0604020202020204" pitchFamily="34" charset="0"/>
+        <a:buFont typeface="Arial" panose="02080604020202020204" charset="0"/>
         <a:buChar char="•"/>
         <a:defRPr sz="1800" kern="1200">
           <a:solidFill>
@@ -3159,7 +2731,7 @@
         <a:spcBef>
           <a:spcPts val="500"/>
         </a:spcBef>
-        <a:buFont typeface="Arial" panose="020B0604020202020204" pitchFamily="34" charset="0"/>
+        <a:buFont typeface="Arial" panose="02080604020202020204" charset="0"/>
         <a:buChar char="•"/>
         <a:defRPr sz="1800" kern="1200">
           <a:solidFill>
@@ -3177,7 +2749,7 @@
         <a:spcBef>
           <a:spcPts val="500"/>
         </a:spcBef>
-        <a:buFont typeface="Arial" panose="020B0604020202020204" pitchFamily="34" charset="0"/>
+        <a:buFont typeface="Arial" panose="02080604020202020204" charset="0"/>
         <a:buChar char="•"/>
         <a:defRPr sz="1800" kern="1200">
           <a:solidFill>
@@ -3195,7 +2767,7 @@
         <a:spcBef>
           <a:spcPts val="500"/>
         </a:spcBef>
-        <a:buFont typeface="Arial" panose="020B0604020202020204" pitchFamily="34" charset="0"/>
+        <a:buFont typeface="Arial" panose="02080604020202020204" charset="0"/>
         <a:buChar char="•"/>
         <a:defRPr sz="1800" kern="1200">
           <a:solidFill>
@@ -3213,7 +2785,7 @@
         <a:spcBef>
           <a:spcPts val="500"/>
         </a:spcBef>
-        <a:buFont typeface="Arial" panose="020B0604020202020204" pitchFamily="34" charset="0"/>
+        <a:buFont typeface="Arial" panose="02080604020202020204" charset="0"/>
         <a:buChar char="•"/>
         <a:defRPr sz="1800" kern="1200">
           <a:solidFill>
@@ -3343,13 +2915,7 @@
       </p:grpSpPr>
       <p:sp>
         <p:nvSpPr>
-          <p:cNvPr id="2" name="标题 1">
-            <a:extLst>
-              <a:ext uri="{FF2B5EF4-FFF2-40B4-BE49-F238E27FC236}">
-                <a16:creationId xmlns:a16="http://schemas.microsoft.com/office/drawing/2014/main" id="{0A4EBC93-E1DA-40E5-81B2-87047C0196C9}"/>
-              </a:ext>
-            </a:extLst>
-          </p:cNvPr>
+          <p:cNvPr id="2" name="标题 1"/>
           <p:cNvSpPr>
             <a:spLocks noGrp="1"/>
           </p:cNvSpPr>
@@ -3407,13 +2973,7 @@
       </p:sp>
       <p:sp>
         <p:nvSpPr>
-          <p:cNvPr id="3" name="副标题 2">
-            <a:extLst>
-              <a:ext uri="{FF2B5EF4-FFF2-40B4-BE49-F238E27FC236}">
-                <a16:creationId xmlns:a16="http://schemas.microsoft.com/office/drawing/2014/main" id="{E7793521-AABB-41E3-A728-925829F29635}"/>
-              </a:ext>
-            </a:extLst>
-          </p:cNvPr>
+          <p:cNvPr id="3" name="副标题 2"/>
           <p:cNvSpPr>
             <a:spLocks noGrp="1"/>
           </p:cNvSpPr>
@@ -3481,11 +3041,91 @@
         </p:txBody>
       </p:sp>
     </p:spTree>
-    <p:extLst>
-      <p:ext uri="{BB962C8B-B14F-4D97-AF65-F5344CB8AC3E}">
-        <p14:creationId xmlns:p14="http://schemas.microsoft.com/office/powerpoint/2010/main" val="3936359912"/>
-      </p:ext>
-    </p:extLst>
+  </p:cSld>
+  <p:clrMapOvr>
+    <a:masterClrMapping/>
+  </p:clrMapOvr>
+</p:sld>
+</file>
+
+<file path=ppt/slides/slide10.xml><?xml version="1.0" encoding="utf-8"?>
+<p:sld xmlns:a="http://schemas.openxmlformats.org/drawingml/2006/main" xmlns:r="http://schemas.openxmlformats.org/officeDocument/2006/relationships" xmlns:p="http://schemas.openxmlformats.org/presentationml/2006/main">
+  <p:cSld>
+    <p:spTree>
+      <p:nvGrpSpPr>
+        <p:cNvPr id="1" name=""/>
+        <p:cNvGrpSpPr/>
+        <p:nvPr/>
+      </p:nvGrpSpPr>
+      <p:grpSpPr>
+        <a:xfrm>
+          <a:off x="0" y="0"/>
+          <a:ext cx="0" cy="0"/>
+          <a:chOff x="0" y="0"/>
+          <a:chExt cx="0" cy="0"/>
+        </a:xfrm>
+      </p:grpSpPr>
+      <p:sp>
+        <p:nvSpPr>
+          <p:cNvPr id="4" name="文本框 3"/>
+          <p:cNvSpPr txBox="1"/>
+          <p:nvPr/>
+        </p:nvSpPr>
+        <p:spPr>
+          <a:xfrm>
+            <a:off x="3202021" y="2875002"/>
+            <a:ext cx="5787957" cy="923330"/>
+          </a:xfrm>
+          <a:prstGeom prst="rect">
+            <a:avLst/>
+          </a:prstGeom>
+          <a:noFill/>
+        </p:spPr>
+        <p:txBody>
+          <a:bodyPr wrap="square" rtlCol="0">
+            <a:spAutoFit/>
+          </a:bodyPr>
+          <a:lstStyle/>
+          <a:p>
+            <a:pPr algn="ctr">
+              <a:lnSpc>
+                <a:spcPct val="90000"/>
+              </a:lnSpc>
+              <a:spcBef>
+                <a:spcPct val="0"/>
+              </a:spcBef>
+            </a:pPr>
+            <a:r>
+              <a:rPr lang="en-US" altLang="zh-CN" sz="6000" dirty="0">
+                <a:effectLst>
+                  <a:glow rad="63500">
+                    <a:schemeClr val="bg2">
+                      <a:alpha val="40000"/>
+                    </a:schemeClr>
+                  </a:glow>
+                </a:effectLst>
+                <a:latin typeface="+mj-lt"/>
+                <a:ea typeface="+mj-ea"/>
+                <a:cs typeface="+mj-cs"/>
+              </a:rPr>
+              <a:t>Thank you!</a:t>
+            </a:r>
+            <a:endParaRPr lang="zh-CN" altLang="en-US" sz="6000" dirty="0">
+              <a:effectLst>
+                <a:glow rad="63500">
+                  <a:schemeClr val="bg2">
+                    <a:alpha val="40000"/>
+                  </a:schemeClr>
+                </a:glow>
+              </a:effectLst>
+              <a:latin typeface="+mj-lt"/>
+              <a:ea typeface="+mj-ea"/>
+              <a:cs typeface="+mj-cs"/>
+            </a:endParaRPr>
+          </a:p>
+        </p:txBody>
+      </p:sp>
+    </p:spTree>
   </p:cSld>
   <p:clrMapOvr>
     <a:masterClrMapping/>
@@ -3512,13 +3152,7 @@
       </p:grpSpPr>
       <p:sp>
         <p:nvSpPr>
-          <p:cNvPr id="2" name="标题 1">
-            <a:extLst>
-              <a:ext uri="{FF2B5EF4-FFF2-40B4-BE49-F238E27FC236}">
-                <a16:creationId xmlns:a16="http://schemas.microsoft.com/office/drawing/2014/main" id="{8E8493C6-4677-45C7-93F9-A13D7F632758}"/>
-              </a:ext>
-            </a:extLst>
-          </p:cNvPr>
+          <p:cNvPr id="2" name="标题 1"/>
           <p:cNvSpPr>
             <a:spLocks noGrp="1"/>
           </p:cNvSpPr>
@@ -3541,13 +3175,7 @@
       </p:sp>
       <p:sp>
         <p:nvSpPr>
-          <p:cNvPr id="3" name="内容占位符 2">
-            <a:extLst>
-              <a:ext uri="{FF2B5EF4-FFF2-40B4-BE49-F238E27FC236}">
-                <a16:creationId xmlns:a16="http://schemas.microsoft.com/office/drawing/2014/main" id="{9202E61D-CC60-48A3-93DB-420E2263A681}"/>
-              </a:ext>
-            </a:extLst>
-          </p:cNvPr>
+          <p:cNvPr id="3" name="内容占位符 2"/>
           <p:cNvSpPr>
             <a:spLocks noGrp="1"/>
           </p:cNvSpPr>
@@ -3569,36 +3197,42 @@
               <a:rPr lang="en-US" altLang="zh-CN" dirty="0"/>
               <a:t>CPU: ALU and control unit</a:t>
             </a:r>
+            <a:endParaRPr lang="en-US" altLang="zh-CN" dirty="0"/>
           </a:p>
           <a:p>
             <a:r>
               <a:rPr lang="en-US" altLang="zh-CN" dirty="0"/>
               <a:t>Register: general-purpose and special-purpose</a:t>
             </a:r>
+            <a:endParaRPr lang="en-US" altLang="zh-CN" dirty="0"/>
           </a:p>
           <a:p>
             <a:r>
               <a:rPr lang="en-US" altLang="zh-CN" dirty="0"/>
               <a:t>Bus</a:t>
             </a:r>
+            <a:endParaRPr lang="en-US" altLang="zh-CN" dirty="0"/>
           </a:p>
           <a:p>
             <a:r>
               <a:rPr lang="en-US" altLang="zh-CN" dirty="0"/>
               <a:t>Main memory</a:t>
             </a:r>
+            <a:endParaRPr lang="en-US" altLang="zh-CN" dirty="0"/>
           </a:p>
           <a:p>
             <a:r>
               <a:rPr lang="en-US" altLang="zh-CN" dirty="0"/>
               <a:t>Mass storage</a:t>
             </a:r>
+            <a:endParaRPr lang="en-US" altLang="zh-CN" dirty="0"/>
           </a:p>
           <a:p>
             <a:r>
               <a:rPr lang="en-US" altLang="zh-CN" dirty="0"/>
               <a:t>Peripheral device: I/O</a:t>
             </a:r>
+            <a:endParaRPr lang="en-US" altLang="zh-CN" dirty="0"/>
           </a:p>
           <a:p>
             <a:endParaRPr lang="en-US" altLang="zh-CN" dirty="0"/>
@@ -3612,12 +3246,31 @@
           </a:p>
         </p:txBody>
       </p:sp>
+      <p:pic>
+        <p:nvPicPr>
+          <p:cNvPr id="4" name="图片 3" descr="510px-Von_Neumann_Architecture.svg"/>
+          <p:cNvPicPr>
+            <a:picLocks noChangeAspect="1"/>
+          </p:cNvPicPr>
+          <p:nvPr/>
+        </p:nvPicPr>
+        <p:blipFill>
+          <a:blip r:embed="rId1"/>
+          <a:stretch>
+            <a:fillRect/>
+          </a:stretch>
+        </p:blipFill>
+        <p:spPr>
+          <a:xfrm>
+            <a:off x="6562725" y="3258820"/>
+            <a:ext cx="4857115" cy="2809240"/>
+          </a:xfrm>
+          <a:prstGeom prst="rect">
+            <a:avLst/>
+          </a:prstGeom>
+        </p:spPr>
+      </p:pic>
     </p:spTree>
-    <p:extLst>
-      <p:ext uri="{BB962C8B-B14F-4D97-AF65-F5344CB8AC3E}">
-        <p14:creationId xmlns:p14="http://schemas.microsoft.com/office/powerpoint/2010/main" val="3282560870"/>
-      </p:ext>
-    </p:extLst>
   </p:cSld>
   <p:clrMapOvr>
     <a:masterClrMapping/>
@@ -3644,13 +3297,7 @@
       </p:grpSpPr>
       <p:sp>
         <p:nvSpPr>
-          <p:cNvPr id="2" name="标题 1">
-            <a:extLst>
-              <a:ext uri="{FF2B5EF4-FFF2-40B4-BE49-F238E27FC236}">
-                <a16:creationId xmlns:a16="http://schemas.microsoft.com/office/drawing/2014/main" id="{29A5B490-6EE0-4F26-9F25-C60EA5641C34}"/>
-              </a:ext>
-            </a:extLst>
-          </p:cNvPr>
+          <p:cNvPr id="2" name="标题 1"/>
           <p:cNvSpPr>
             <a:spLocks noGrp="1"/>
           </p:cNvSpPr>
@@ -3677,13 +3324,7 @@
       </p:sp>
       <p:sp>
         <p:nvSpPr>
-          <p:cNvPr id="3" name="内容占位符 2">
-            <a:extLst>
-              <a:ext uri="{FF2B5EF4-FFF2-40B4-BE49-F238E27FC236}">
-                <a16:creationId xmlns:a16="http://schemas.microsoft.com/office/drawing/2014/main" id="{31A4A045-BBB5-43B9-935A-C090DD70590D}"/>
-              </a:ext>
-            </a:extLst>
-          </p:cNvPr>
+          <p:cNvPr id="3" name="内容占位符 2"/>
           <p:cNvSpPr>
             <a:spLocks noGrp="1"/>
           </p:cNvSpPr>
@@ -3700,6 +3341,7 @@
               <a:rPr lang="en-US" altLang="zh-CN" dirty="0"/>
               <a:t>Separate storage and signal pathways for instructions and data.</a:t>
             </a:r>
+            <a:endParaRPr lang="en-US" altLang="zh-CN" dirty="0"/>
           </a:p>
           <a:p>
             <a:r>
@@ -3711,11 +3353,6 @@
         </p:txBody>
       </p:sp>
     </p:spTree>
-    <p:extLst>
-      <p:ext uri="{BB962C8B-B14F-4D97-AF65-F5344CB8AC3E}">
-        <p14:creationId xmlns:p14="http://schemas.microsoft.com/office/powerpoint/2010/main" val="2230451428"/>
-      </p:ext>
-    </p:extLst>
   </p:cSld>
   <p:clrMapOvr>
     <a:masterClrMapping/>
@@ -3742,13 +3379,7 @@
       </p:grpSpPr>
       <p:sp>
         <p:nvSpPr>
-          <p:cNvPr id="2" name="标题 1">
-            <a:extLst>
-              <a:ext uri="{FF2B5EF4-FFF2-40B4-BE49-F238E27FC236}">
-                <a16:creationId xmlns:a16="http://schemas.microsoft.com/office/drawing/2014/main" id="{A260B93C-2FF1-4182-B07C-864ABCA05E05}"/>
-              </a:ext>
-            </a:extLst>
-          </p:cNvPr>
+          <p:cNvPr id="2" name="标题 1"/>
           <p:cNvSpPr>
             <a:spLocks noGrp="1"/>
           </p:cNvSpPr>
@@ -3771,13 +3402,7 @@
       </p:sp>
       <p:sp>
         <p:nvSpPr>
-          <p:cNvPr id="3" name="内容占位符 2">
-            <a:extLst>
-              <a:ext uri="{FF2B5EF4-FFF2-40B4-BE49-F238E27FC236}">
-                <a16:creationId xmlns:a16="http://schemas.microsoft.com/office/drawing/2014/main" id="{D2CDD311-3C8C-41BC-9B42-C3F520AD51CB}"/>
-              </a:ext>
-            </a:extLst>
-          </p:cNvPr>
+          <p:cNvPr id="3" name="内容占位符 2"/>
           <p:cNvSpPr>
             <a:spLocks noGrp="1"/>
           </p:cNvSpPr>
@@ -3794,36 +3419,42 @@
               <a:rPr lang="en-US" altLang="zh-CN" dirty="0"/>
               <a:t>Throughput vs. execution speed</a:t>
             </a:r>
+            <a:endParaRPr lang="en-US" altLang="zh-CN" dirty="0"/>
           </a:p>
           <a:p>
             <a:r>
               <a:rPr lang="en-US" altLang="zh-CN" dirty="0"/>
               <a:t>Overlap: prefetching while executing</a:t>
             </a:r>
+            <a:endParaRPr lang="en-US" altLang="zh-CN" dirty="0"/>
           </a:p>
           <a:p>
             <a:r>
               <a:rPr lang="en-US" altLang="zh-CN" dirty="0"/>
               <a:t>Instruction pipelining</a:t>
             </a:r>
+            <a:endParaRPr lang="en-US" altLang="zh-CN" dirty="0"/>
           </a:p>
           <a:p>
             <a:r>
               <a:rPr lang="en-US" altLang="zh-CN" dirty="0"/>
               <a:t>Graphics pipelining</a:t>
             </a:r>
+            <a:endParaRPr lang="en-US" altLang="zh-CN" dirty="0"/>
           </a:p>
           <a:p>
             <a:r>
               <a:rPr lang="en-US" altLang="zh-CN" dirty="0"/>
               <a:t>Software pipelining</a:t>
             </a:r>
+            <a:endParaRPr lang="en-US" altLang="zh-CN" dirty="0"/>
           </a:p>
           <a:p>
             <a:r>
               <a:rPr lang="en-US" altLang="zh-CN" dirty="0"/>
               <a:t>HTTP pipelining</a:t>
             </a:r>
+            <a:endParaRPr lang="en-US" altLang="zh-CN" dirty="0"/>
           </a:p>
           <a:p>
             <a:endParaRPr lang="zh-CN" altLang="en-US" dirty="0"/>
@@ -3831,11 +3462,6 @@
         </p:txBody>
       </p:sp>
     </p:spTree>
-    <p:extLst>
-      <p:ext uri="{BB962C8B-B14F-4D97-AF65-F5344CB8AC3E}">
-        <p14:creationId xmlns:p14="http://schemas.microsoft.com/office/powerpoint/2010/main" val="2144840940"/>
-      </p:ext>
-    </p:extLst>
   </p:cSld>
   <p:clrMapOvr>
     <a:masterClrMapping/>
@@ -3862,13 +3488,7 @@
       </p:grpSpPr>
       <p:sp>
         <p:nvSpPr>
-          <p:cNvPr id="2" name="标题 1">
-            <a:extLst>
-              <a:ext uri="{FF2B5EF4-FFF2-40B4-BE49-F238E27FC236}">
-                <a16:creationId xmlns:a16="http://schemas.microsoft.com/office/drawing/2014/main" id="{C2AC7D12-7B29-4DC5-9AED-C94591B5486F}"/>
-              </a:ext>
-            </a:extLst>
-          </p:cNvPr>
+          <p:cNvPr id="2" name="标题 1"/>
           <p:cNvSpPr>
             <a:spLocks noGrp="1"/>
           </p:cNvSpPr>
@@ -3891,13 +3511,7 @@
       </p:sp>
       <p:sp>
         <p:nvSpPr>
-          <p:cNvPr id="3" name="内容占位符 2">
-            <a:extLst>
-              <a:ext uri="{FF2B5EF4-FFF2-40B4-BE49-F238E27FC236}">
-                <a16:creationId xmlns:a16="http://schemas.microsoft.com/office/drawing/2014/main" id="{DF70BB87-988B-46A8-A8DC-F9D354FFFEBE}"/>
-              </a:ext>
-            </a:extLst>
-          </p:cNvPr>
+          <p:cNvPr id="3" name="内容占位符 2"/>
           <p:cNvSpPr>
             <a:spLocks noGrp="1"/>
           </p:cNvSpPr>
@@ -3914,12 +3528,14 @@
               <a:rPr lang="en-US" altLang="zh-CN" dirty="0"/>
               <a:t>Parallel processing</a:t>
             </a:r>
+            <a:endParaRPr lang="en-US" altLang="zh-CN" dirty="0"/>
           </a:p>
           <a:p>
             <a:r>
               <a:rPr lang="en-US" altLang="zh-CN" dirty="0"/>
               <a:t>MIMD: multiple-instruction stream, multiple-data stream</a:t>
             </a:r>
+            <a:endParaRPr lang="en-US" altLang="zh-CN" dirty="0"/>
           </a:p>
           <a:p>
             <a:r>
@@ -3931,11 +3547,6 @@
         </p:txBody>
       </p:sp>
     </p:spTree>
-    <p:extLst>
-      <p:ext uri="{BB962C8B-B14F-4D97-AF65-F5344CB8AC3E}">
-        <p14:creationId xmlns:p14="http://schemas.microsoft.com/office/powerpoint/2010/main" val="3640630096"/>
-      </p:ext>
-    </p:extLst>
   </p:cSld>
   <p:clrMapOvr>
     <a:masterClrMapping/>
@@ -3952,23 +3563,10 @@
         <p:cNvGrpSpPr/>
         <p:nvPr/>
       </p:nvGrpSpPr>
-      <p:grpSpPr>
-        <a:xfrm>
-          <a:off x="0" y="0"/>
-          <a:ext cx="0" cy="0"/>
-          <a:chOff x="0" y="0"/>
-          <a:chExt cx="0" cy="0"/>
-        </a:xfrm>
-      </p:grpSpPr>
-      <p:sp>
-        <p:nvSpPr>
-          <p:cNvPr id="2" name="标题 1">
-            <a:extLst>
-              <a:ext uri="{FF2B5EF4-FFF2-40B4-BE49-F238E27FC236}">
-                <a16:creationId xmlns:a16="http://schemas.microsoft.com/office/drawing/2014/main" id="{46490F87-19B8-4F24-AF98-33742EDDA4DA}"/>
-              </a:ext>
-            </a:extLst>
-          </p:cNvPr>
+      <p:grpSpPr/>
+      <p:sp>
+        <p:nvSpPr>
+          <p:cNvPr id="2" name="标题 1"/>
           <p:cNvSpPr>
             <a:spLocks noGrp="1"/>
           </p:cNvSpPr>
@@ -3979,25 +3577,18 @@
         <p:spPr/>
         <p:txBody>
           <a:bodyPr/>
-          <a:lstStyle/>
-          <a:p>
-            <a:r>
-              <a:rPr lang="en-US" altLang="zh-CN" b="1" dirty="0"/>
-              <a:t>Reference</a:t>
-            </a:r>
-            <a:endParaRPr lang="zh-CN" altLang="en-US" b="1" dirty="0"/>
-          </a:p>
-        </p:txBody>
-      </p:sp>
-      <p:sp>
-        <p:nvSpPr>
-          <p:cNvPr id="3" name="内容占位符 2">
-            <a:extLst>
-              <a:ext uri="{FF2B5EF4-FFF2-40B4-BE49-F238E27FC236}">
-                <a16:creationId xmlns:a16="http://schemas.microsoft.com/office/drawing/2014/main" id="{E1875BF6-4605-4209-BD19-65D490BF86E3}"/>
-              </a:ext>
-            </a:extLst>
-          </p:cNvPr>
+          <a:p>
+            <a:r>
+              <a:rPr lang="zh-CN" altLang="en-US"/>
+              <a:t>methods of performing input/output (I/O) </a:t>
+            </a:r>
+            <a:endParaRPr lang="zh-CN" altLang="en-US"/>
+          </a:p>
+        </p:txBody>
+      </p:sp>
+      <p:sp>
+        <p:nvSpPr>
+          <p:cNvPr id="3" name="内容占位符 2"/>
           <p:cNvSpPr>
             <a:spLocks noGrp="1"/>
           </p:cNvSpPr>
@@ -4007,46 +3598,81 @@
         </p:nvSpPr>
         <p:spPr/>
         <p:txBody>
-          <a:bodyPr/>
-          <a:lstStyle/>
-          <a:p>
-            <a:r>
-              <a:rPr lang="en-US" altLang="zh-CN" i="1" dirty="0"/>
-              <a:t>Computer science: an overview  </a:t>
-            </a:r>
-            <a:r>
-              <a:rPr lang="en-US" altLang="zh-CN" dirty="0"/>
-              <a:t>by </a:t>
-            </a:r>
-            <a:r>
-              <a:rPr lang="en-US" altLang="zh-CN" dirty="0" err="1"/>
-              <a:t>J.Glenn</a:t>
-            </a:r>
-            <a:r>
-              <a:rPr lang="en-US" altLang="zh-CN" dirty="0"/>
-              <a:t> </a:t>
-            </a:r>
-            <a:r>
-              <a:rPr lang="en-US" altLang="zh-CN" dirty="0" err="1"/>
-              <a:t>Brookshear</a:t>
-            </a:r>
-            <a:endParaRPr lang="en-US" altLang="zh-CN" dirty="0"/>
-          </a:p>
-          <a:p>
-            <a:r>
-              <a:rPr lang="en-US" altLang="zh-CN" i="1" dirty="0"/>
-              <a:t>Wikipedia</a:t>
-            </a:r>
-            <a:endParaRPr lang="zh-CN" altLang="en-US" i="1" dirty="0"/>
+          <a:bodyPr>
+            <a:normAutofit fontScale="90000" lnSpcReduction="10000"/>
+          </a:bodyPr>
+          <a:p>
+            <a:r>
+              <a:rPr lang="zh-CN" altLang="en-US"/>
+              <a:t>Memory-mapped I/O (MMIO) </a:t>
+            </a:r>
+            <a:endParaRPr lang="zh-CN" altLang="en-US"/>
+          </a:p>
+          <a:p>
+            <a:r>
+              <a:rPr lang="zh-CN" altLang="en-US"/>
+              <a:t>port-mapped I/O (PMIO) </a:t>
+            </a:r>
+            <a:r>
+              <a:rPr lang="x-none" altLang="zh-CN"/>
+              <a:t>or called isolated I/O</a:t>
+            </a:r>
+            <a:endParaRPr lang="x-none" altLang="zh-CN"/>
+          </a:p>
+          <a:p>
+            <a:endParaRPr lang="x-none" altLang="zh-CN"/>
+          </a:p>
+          <a:p>
+            <a:r>
+              <a:rPr lang="x-none" altLang="zh-CN"/>
+              <a:t>Port-mapped I/O often uses a special class of CPU instructions designed specifically for performing I/O, such as the </a:t>
+            </a:r>
+            <a:r>
+              <a:rPr lang="x-none" altLang="zh-CN">
+                <a:solidFill>
+                  <a:srgbClr val="FF0000"/>
+                </a:solidFill>
+              </a:rPr>
+              <a:t>in</a:t>
+            </a:r>
+            <a:r>
+              <a:rPr lang="x-none" altLang="zh-CN"/>
+              <a:t> and </a:t>
+            </a:r>
+            <a:r>
+              <a:rPr lang="x-none" altLang="zh-CN">
+                <a:solidFill>
+                  <a:srgbClr val="FF0000"/>
+                </a:solidFill>
+              </a:rPr>
+              <a:t>out </a:t>
+            </a:r>
+            <a:r>
+              <a:rPr lang="x-none" altLang="zh-CN"/>
+              <a:t>instructions</a:t>
+            </a:r>
+            <a:endParaRPr lang="x-none" altLang="zh-CN"/>
+          </a:p>
+          <a:p>
+            <a:r>
+              <a:rPr lang="x-none" altLang="zh-CN"/>
+              <a:t>I/O devices have a separate address space from general memory, either accomplished by an extra "I/O" pin on the CPU's physical interface, or an entire bus dedicated to I/O. </a:t>
+            </a:r>
+            <a:endParaRPr lang="x-none" altLang="zh-CN"/>
+          </a:p>
+          <a:p>
+            <a:endParaRPr lang="x-none" altLang="zh-CN"/>
+          </a:p>
+          <a:p>
+            <a:r>
+              <a:rPr lang="x-none" altLang="zh-CN"/>
+              <a:t>for example,the x86 platform</a:t>
+            </a:r>
+            <a:endParaRPr lang="x-none" altLang="zh-CN"/>
           </a:p>
         </p:txBody>
       </p:sp>
     </p:spTree>
-    <p:extLst>
-      <p:ext uri="{BB962C8B-B14F-4D97-AF65-F5344CB8AC3E}">
-        <p14:creationId xmlns:p14="http://schemas.microsoft.com/office/powerpoint/2010/main" val="1033938052"/>
-      </p:ext>
-    </p:extLst>
   </p:cSld>
   <p:clrMapOvr>
     <a:masterClrMapping/>
@@ -4063,6 +3689,154 @@
         <p:cNvGrpSpPr/>
         <p:nvPr/>
       </p:nvGrpSpPr>
+      <p:grpSpPr/>
+      <p:sp>
+        <p:nvSpPr>
+          <p:cNvPr id="2" name="标题 1"/>
+          <p:cNvSpPr>
+            <a:spLocks noGrp="1"/>
+          </p:cNvSpPr>
+          <p:nvPr>
+            <p:ph type="title"/>
+          </p:nvPr>
+        </p:nvSpPr>
+        <p:spPr/>
+        <p:txBody>
+          <a:bodyPr/>
+          <a:p>
+            <a:r>
+              <a:rPr lang="x-none" altLang="zh-CN"/>
+              <a:t>via high-level language</a:t>
+            </a:r>
+            <a:endParaRPr lang="x-none" altLang="zh-CN"/>
+          </a:p>
+        </p:txBody>
+      </p:sp>
+      <p:sp>
+        <p:nvSpPr>
+          <p:cNvPr id="3" name="内容占位符 2"/>
+          <p:cNvSpPr>
+            <a:spLocks noGrp="1"/>
+          </p:cNvSpPr>
+          <p:nvPr>
+            <p:ph idx="1"/>
+          </p:nvPr>
+        </p:nvSpPr>
+        <p:spPr/>
+        <p:txBody>
+          <a:bodyPr/>
+          <a:p>
+            <a:r>
+              <a:rPr lang="zh-CN" altLang="en-US"/>
+              <a:t>int* ptr;</a:t>
+            </a:r>
+            <a:endParaRPr lang="zh-CN" altLang="en-US"/>
+          </a:p>
+          <a:p>
+            <a:r>
+              <a:rPr lang="x-none" altLang="zh-CN"/>
+              <a:t>...some code...</a:t>
+            </a:r>
+            <a:endParaRPr lang="x-none" altLang="zh-CN"/>
+          </a:p>
+          <a:p>
+            <a:r>
+              <a:rPr lang="zh-CN" altLang="en-US"/>
+              <a:t>*ptr = 0;</a:t>
+            </a:r>
+            <a:endParaRPr lang="zh-CN" altLang="en-US"/>
+          </a:p>
+          <a:p>
+            <a:endParaRPr lang="zh-CN" altLang="en-US"/>
+          </a:p>
+          <a:p>
+            <a:r>
+              <a:rPr lang="zh-CN" altLang="en-US"/>
+              <a:t> result in writing to a hardware input-output port if ptr happens to store the address to which that port is mapped. Usually they are called "embedded platforms".</a:t>
+            </a:r>
+            <a:endParaRPr lang="zh-CN" altLang="en-US"/>
+          </a:p>
+        </p:txBody>
+      </p:sp>
+    </p:spTree>
+  </p:cSld>
+  <p:clrMapOvr>
+    <a:masterClrMapping/>
+  </p:clrMapOvr>
+</p:sld>
+</file>
+
+<file path=ppt/slides/slide8.xml><?xml version="1.0" encoding="utf-8"?>
+<p:sld xmlns:a="http://schemas.openxmlformats.org/drawingml/2006/main" xmlns:r="http://schemas.openxmlformats.org/officeDocument/2006/relationships" xmlns:p="http://schemas.openxmlformats.org/presentationml/2006/main">
+  <p:cSld>
+    <p:spTree>
+      <p:nvGrpSpPr>
+        <p:cNvPr id="1" name=""/>
+        <p:cNvGrpSpPr/>
+        <p:nvPr/>
+      </p:nvGrpSpPr>
+      <p:grpSpPr/>
+      <p:sp>
+        <p:nvSpPr>
+          <p:cNvPr id="2" name="标题 1"/>
+          <p:cNvSpPr>
+            <a:spLocks noGrp="1"/>
+          </p:cNvSpPr>
+          <p:nvPr>
+            <p:ph type="title"/>
+          </p:nvPr>
+        </p:nvSpPr>
+        <p:spPr/>
+        <p:txBody>
+          <a:bodyPr/>
+          <a:p>
+            <a:r>
+              <a:rPr lang="x-none" altLang="zh-CN"/>
+              <a:t>device driver</a:t>
+            </a:r>
+            <a:endParaRPr lang="x-none" altLang="zh-CN"/>
+          </a:p>
+        </p:txBody>
+      </p:sp>
+      <p:sp>
+        <p:nvSpPr>
+          <p:cNvPr id="3" name="内容占位符 2"/>
+          <p:cNvSpPr>
+            <a:spLocks noGrp="1"/>
+          </p:cNvSpPr>
+          <p:nvPr>
+            <p:ph idx="1"/>
+          </p:nvPr>
+        </p:nvSpPr>
+        <p:spPr/>
+        <p:txBody>
+          <a:bodyPr/>
+          <a:p>
+            <a:r>
+              <a:rPr lang="zh-CN" altLang="en-US"/>
+              <a:t> A driver provides a software interface to hardware devices, enabling operating systems and other computer programs to access hardware functions without needing to know precise details of the hardware being used.</a:t>
+            </a:r>
+            <a:endParaRPr lang="zh-CN" altLang="en-US"/>
+          </a:p>
+        </p:txBody>
+      </p:sp>
+    </p:spTree>
+  </p:cSld>
+  <p:clrMapOvr>
+    <a:masterClrMapping/>
+  </p:clrMapOvr>
+</p:sld>
+</file>
+
+<file path=ppt/slides/slide9.xml><?xml version="1.0" encoding="utf-8"?>
+<p:sld xmlns:a="http://schemas.openxmlformats.org/drawingml/2006/main" xmlns:r="http://schemas.openxmlformats.org/officeDocument/2006/relationships" xmlns:p="http://schemas.openxmlformats.org/presentationml/2006/main">
+  <p:cSld>
+    <p:spTree>
+      <p:nvGrpSpPr>
+        <p:cNvPr id="1" name=""/>
+        <p:cNvGrpSpPr/>
+        <p:nvPr/>
+      </p:nvGrpSpPr>
       <p:grpSpPr>
         <a:xfrm>
           <a:off x="0" y="0"/>
@@ -4073,76 +3847,74 @@
       </p:grpSpPr>
       <p:sp>
         <p:nvSpPr>
-          <p:cNvPr id="4" name="文本框 3">
-            <a:extLst>
-              <a:ext uri="{FF2B5EF4-FFF2-40B4-BE49-F238E27FC236}">
-                <a16:creationId xmlns:a16="http://schemas.microsoft.com/office/drawing/2014/main" id="{33BBE7A4-C696-4A6D-BA8D-24FFF94E8B4B}"/>
-              </a:ext>
-            </a:extLst>
-          </p:cNvPr>
-          <p:cNvSpPr txBox="1"/>
-          <p:nvPr/>
-        </p:nvSpPr>
-        <p:spPr>
-          <a:xfrm>
-            <a:off x="3202021" y="2875002"/>
-            <a:ext cx="5787957" cy="923330"/>
-          </a:xfrm>
-          <a:prstGeom prst="rect">
-            <a:avLst/>
-          </a:prstGeom>
-          <a:noFill/>
-        </p:spPr>
-        <p:txBody>
-          <a:bodyPr wrap="square" rtlCol="0">
-            <a:spAutoFit/>
-          </a:bodyPr>
-          <a:lstStyle/>
-          <a:p>
-            <a:pPr algn="ctr">
-              <a:lnSpc>
-                <a:spcPct val="90000"/>
-              </a:lnSpc>
-              <a:spcBef>
-                <a:spcPct val="0"/>
-              </a:spcBef>
-            </a:pPr>
-            <a:r>
-              <a:rPr lang="en-US" altLang="zh-CN" sz="6000" dirty="0">
-                <a:effectLst>
-                  <a:glow rad="63500">
-                    <a:schemeClr val="bg2">
-                      <a:alpha val="40000"/>
-                    </a:schemeClr>
-                  </a:glow>
-                </a:effectLst>
-                <a:latin typeface="+mj-lt"/>
-                <a:ea typeface="+mj-ea"/>
-                <a:cs typeface="+mj-cs"/>
-              </a:rPr>
-              <a:t>Thank you!</a:t>
-            </a:r>
-            <a:endParaRPr lang="zh-CN" altLang="en-US" sz="6000" dirty="0">
-              <a:effectLst>
-                <a:glow rad="63500">
-                  <a:schemeClr val="bg2">
-                    <a:alpha val="40000"/>
-                  </a:schemeClr>
-                </a:glow>
-              </a:effectLst>
-              <a:latin typeface="+mj-lt"/>
-              <a:ea typeface="+mj-ea"/>
-              <a:cs typeface="+mj-cs"/>
-            </a:endParaRPr>
+          <p:cNvPr id="2" name="标题 1"/>
+          <p:cNvSpPr>
+            <a:spLocks noGrp="1"/>
+          </p:cNvSpPr>
+          <p:nvPr>
+            <p:ph type="title"/>
+          </p:nvPr>
+        </p:nvSpPr>
+        <p:spPr/>
+        <p:txBody>
+          <a:bodyPr/>
+          <a:lstStyle/>
+          <a:p>
+            <a:r>
+              <a:rPr lang="en-US" altLang="zh-CN" b="1" dirty="0"/>
+              <a:t>Reference</a:t>
+            </a:r>
+            <a:endParaRPr lang="zh-CN" altLang="en-US" b="1" dirty="0"/>
+          </a:p>
+        </p:txBody>
+      </p:sp>
+      <p:sp>
+        <p:nvSpPr>
+          <p:cNvPr id="3" name="内容占位符 2"/>
+          <p:cNvSpPr>
+            <a:spLocks noGrp="1"/>
+          </p:cNvSpPr>
+          <p:nvPr>
+            <p:ph idx="1"/>
+          </p:nvPr>
+        </p:nvSpPr>
+        <p:spPr/>
+        <p:txBody>
+          <a:bodyPr/>
+          <a:lstStyle/>
+          <a:p>
+            <a:r>
+              <a:rPr lang="en-US" altLang="zh-CN" i="1" dirty="0"/>
+              <a:t>Computer science: an overview  </a:t>
+            </a:r>
+            <a:r>
+              <a:rPr lang="en-US" altLang="zh-CN" dirty="0"/>
+              <a:t>by </a:t>
+            </a:r>
+            <a:r>
+              <a:rPr lang="en-US" altLang="zh-CN" dirty="0" err="1"/>
+              <a:t>J.Glenn</a:t>
+            </a:r>
+            <a:r>
+              <a:rPr lang="en-US" altLang="zh-CN" dirty="0"/>
+              <a:t> </a:t>
+            </a:r>
+            <a:r>
+              <a:rPr lang="en-US" altLang="zh-CN" dirty="0" err="1"/>
+              <a:t>Brookshear</a:t>
+            </a:r>
+            <a:endParaRPr lang="en-US" altLang="zh-CN" dirty="0"/>
+          </a:p>
+          <a:p>
+            <a:r>
+              <a:rPr lang="en-US" altLang="zh-CN" i="1" dirty="0"/>
+              <a:t>Wikipedia</a:t>
+            </a:r>
+            <a:endParaRPr lang="zh-CN" altLang="en-US" i="1" dirty="0"/>
           </a:p>
         </p:txBody>
       </p:sp>
     </p:spTree>
-    <p:extLst>
-      <p:ext uri="{BB962C8B-B14F-4D97-AF65-F5344CB8AC3E}">
-        <p14:creationId xmlns:p14="http://schemas.microsoft.com/office/powerpoint/2010/main" val="3014068688"/>
-      </p:ext>
-    </p:extLst>
   </p:cSld>
   <p:clrMapOvr>
     <a:masterClrMapping/>
@@ -4193,7 +3965,7 @@
     </a:clrScheme>
     <a:fontScheme name="Office">
       <a:majorFont>
-        <a:latin typeface="等线 Light" panose="020F0302020204030204"/>
+        <a:latin typeface="等线 Light"/>
         <a:ea typeface=""/>
         <a:cs typeface=""/>
         <a:font script="Jpan" typeface="游ゴシック Light"/>
@@ -4226,26 +3998,9 @@
         <a:font script="Viet" typeface="Times New Roman"/>
         <a:font script="Uigh" typeface="Microsoft Uighur"/>
         <a:font script="Geor" typeface="Sylfaen"/>
-        <a:font script="Armn" typeface="Arial"/>
-        <a:font script="Bugi" typeface="Leelawadee UI"/>
-        <a:font script="Bopo" typeface="Microsoft JhengHei"/>
-        <a:font script="Java" typeface="Javanese Text"/>
-        <a:font script="Lisu" typeface="Segoe UI"/>
-        <a:font script="Mymr" typeface="Myanmar Text"/>
-        <a:font script="Nkoo" typeface="Ebrima"/>
-        <a:font script="Olck" typeface="Nirmala UI"/>
-        <a:font script="Osma" typeface="Ebrima"/>
-        <a:font script="Phag" typeface="Phagspa"/>
-        <a:font script="Syrn" typeface="Estrangelo Edessa"/>
-        <a:font script="Syrj" typeface="Estrangelo Edessa"/>
-        <a:font script="Syre" typeface="Estrangelo Edessa"/>
-        <a:font script="Sora" typeface="Nirmala UI"/>
-        <a:font script="Tale" typeface="Microsoft Tai Le"/>
-        <a:font script="Talu" typeface="Microsoft New Tai Lue"/>
-        <a:font script="Tfng" typeface="Ebrima"/>
       </a:majorFont>
       <a:minorFont>
-        <a:latin typeface="等线" panose="020F0502020204030204"/>
+        <a:latin typeface="等线"/>
         <a:ea typeface=""/>
         <a:cs typeface=""/>
         <a:font script="Jpan" typeface="游ゴシック"/>
@@ -4278,23 +4033,6 @@
         <a:font script="Viet" typeface="Arial"/>
         <a:font script="Uigh" typeface="Microsoft Uighur"/>
         <a:font script="Geor" typeface="Sylfaen"/>
-        <a:font script="Armn" typeface="Arial"/>
-        <a:font script="Bugi" typeface="Leelawadee UI"/>
-        <a:font script="Bopo" typeface="Microsoft JhengHei"/>
-        <a:font script="Java" typeface="Javanese Text"/>
-        <a:font script="Lisu" typeface="Segoe UI"/>
-        <a:font script="Mymr" typeface="Myanmar Text"/>
-        <a:font script="Nkoo" typeface="Ebrima"/>
-        <a:font script="Olck" typeface="Nirmala UI"/>
-        <a:font script="Osma" typeface="Ebrima"/>
-        <a:font script="Phag" typeface="Phagspa"/>
-        <a:font script="Syrn" typeface="Estrangelo Edessa"/>
-        <a:font script="Syrj" typeface="Estrangelo Edessa"/>
-        <a:font script="Syre" typeface="Estrangelo Edessa"/>
-        <a:font script="Sora" typeface="Nirmala UI"/>
-        <a:font script="Tale" typeface="Microsoft Tai Le"/>
-        <a:font script="Talu" typeface="Microsoft New Tai Lue"/>
-        <a:font script="Tfng" typeface="Ebrima"/>
       </a:minorFont>
     </a:fontScheme>
     <a:fmtScheme name="Office">

--- a/team2/week report/group2_week5.pptx
+++ b/team2/week report/group2_week5.pptx
@@ -5,16 +5,16 @@
     <p:sldMasterId id="2147483648" r:id="rId1"/>
   </p:sldMasterIdLst>
   <p:sldIdLst>
-    <p:sldId id="256" r:id="rId3"/>
-    <p:sldId id="257" r:id="rId4"/>
-    <p:sldId id="258" r:id="rId5"/>
-    <p:sldId id="259" r:id="rId6"/>
-    <p:sldId id="260" r:id="rId7"/>
-    <p:sldId id="264" r:id="rId8"/>
-    <p:sldId id="265" r:id="rId9"/>
-    <p:sldId id="266" r:id="rId10"/>
-    <p:sldId id="262" r:id="rId11"/>
-    <p:sldId id="261" r:id="rId12"/>
+    <p:sldId id="256" r:id="rId2"/>
+    <p:sldId id="257" r:id="rId3"/>
+    <p:sldId id="258" r:id="rId4"/>
+    <p:sldId id="259" r:id="rId5"/>
+    <p:sldId id="260" r:id="rId6"/>
+    <p:sldId id="264" r:id="rId7"/>
+    <p:sldId id="265" r:id="rId8"/>
+    <p:sldId id="266" r:id="rId9"/>
+    <p:sldId id="262" r:id="rId10"/>
+    <p:sldId id="261" r:id="rId11"/>
   </p:sldIdLst>
   <p:sldSz cx="12192000" cy="6858000"/>
   <p:notesSz cx="6858000" cy="9144000"/>
@@ -113,6 +113,11 @@
       </a:defRPr>
     </a:lvl9pPr>
   </p:defaultTextStyle>
+  <p:extLst>
+    <p:ext uri="{EFAFB233-063F-42B5-8137-9DF3F51BA10A}">
+      <p15:sldGuideLst xmlns:p15="http://schemas.microsoft.com/office/powerpoint/2012/main"/>
+    </p:ext>
+  </p:extLst>
 </p:presentation>
 </file>
 
@@ -245,6 +250,7 @@
           <a:p>
             <a:fld id="{18BB48A8-A11C-4F8D-B04A-1AC2B146D343}" type="datetimeFigureOut">
               <a:rPr lang="zh-CN" altLang="en-US" smtClean="0"/>
+              <a:t>2018/4/3</a:t>
             </a:fld>
             <a:endParaRPr lang="zh-CN" altLang="en-US"/>
           </a:p>
@@ -286,6 +292,7 @@
           <a:p>
             <a:fld id="{8C571B56-7495-4EBD-8260-CDC087C0A14D}" type="slidenum">
               <a:rPr lang="zh-CN" altLang="en-US" smtClean="0"/>
+              <a:t>‹#›</a:t>
             </a:fld>
             <a:endParaRPr lang="zh-CN" altLang="en-US"/>
           </a:p>
@@ -358,7 +365,6 @@
               <a:rPr lang="zh-CN" altLang="en-US"/>
               <a:t>编辑母版文本样式</a:t>
             </a:r>
-            <a:endParaRPr lang="zh-CN" altLang="en-US"/>
           </a:p>
           <a:p>
             <a:pPr lvl="1"/>
@@ -366,7 +372,6 @@
               <a:rPr lang="zh-CN" altLang="en-US"/>
               <a:t>第二级</a:t>
             </a:r>
-            <a:endParaRPr lang="zh-CN" altLang="en-US"/>
           </a:p>
           <a:p>
             <a:pPr lvl="2"/>
@@ -374,7 +379,6 @@
               <a:rPr lang="zh-CN" altLang="en-US"/>
               <a:t>第三级</a:t>
             </a:r>
-            <a:endParaRPr lang="zh-CN" altLang="en-US"/>
           </a:p>
           <a:p>
             <a:pPr lvl="3"/>
@@ -382,7 +386,6 @@
               <a:rPr lang="zh-CN" altLang="en-US"/>
               <a:t>第四级</a:t>
             </a:r>
-            <a:endParaRPr lang="zh-CN" altLang="en-US"/>
           </a:p>
           <a:p>
             <a:pPr lvl="4"/>
@@ -410,6 +413,7 @@
           <a:p>
             <a:fld id="{18BB48A8-A11C-4F8D-B04A-1AC2B146D343}" type="datetimeFigureOut">
               <a:rPr lang="zh-CN" altLang="en-US" smtClean="0"/>
+              <a:t>2018/4/3</a:t>
             </a:fld>
             <a:endParaRPr lang="zh-CN" altLang="en-US"/>
           </a:p>
@@ -451,6 +455,7 @@
           <a:p>
             <a:fld id="{8C571B56-7495-4EBD-8260-CDC087C0A14D}" type="slidenum">
               <a:rPr lang="zh-CN" altLang="en-US" smtClean="0"/>
+              <a:t>‹#›</a:t>
             </a:fld>
             <a:endParaRPr lang="zh-CN" altLang="en-US"/>
           </a:p>
@@ -533,7 +538,6 @@
               <a:rPr lang="zh-CN" altLang="en-US"/>
               <a:t>编辑母版文本样式</a:t>
             </a:r>
-            <a:endParaRPr lang="zh-CN" altLang="en-US"/>
           </a:p>
           <a:p>
             <a:pPr lvl="1"/>
@@ -541,7 +545,6 @@
               <a:rPr lang="zh-CN" altLang="en-US"/>
               <a:t>第二级</a:t>
             </a:r>
-            <a:endParaRPr lang="zh-CN" altLang="en-US"/>
           </a:p>
           <a:p>
             <a:pPr lvl="2"/>
@@ -549,7 +552,6 @@
               <a:rPr lang="zh-CN" altLang="en-US"/>
               <a:t>第三级</a:t>
             </a:r>
-            <a:endParaRPr lang="zh-CN" altLang="en-US"/>
           </a:p>
           <a:p>
             <a:pPr lvl="3"/>
@@ -557,7 +559,6 @@
               <a:rPr lang="zh-CN" altLang="en-US"/>
               <a:t>第四级</a:t>
             </a:r>
-            <a:endParaRPr lang="zh-CN" altLang="en-US"/>
           </a:p>
           <a:p>
             <a:pPr lvl="4"/>
@@ -585,6 +586,7 @@
           <a:p>
             <a:fld id="{18BB48A8-A11C-4F8D-B04A-1AC2B146D343}" type="datetimeFigureOut">
               <a:rPr lang="zh-CN" altLang="en-US" smtClean="0"/>
+              <a:t>2018/4/3</a:t>
             </a:fld>
             <a:endParaRPr lang="zh-CN" altLang="en-US"/>
           </a:p>
@@ -626,6 +628,7 @@
           <a:p>
             <a:fld id="{8C571B56-7495-4EBD-8260-CDC087C0A14D}" type="slidenum">
               <a:rPr lang="zh-CN" altLang="en-US" smtClean="0"/>
+              <a:t>‹#›</a:t>
             </a:fld>
             <a:endParaRPr lang="zh-CN" altLang="en-US"/>
           </a:p>
@@ -698,7 +701,6 @@
               <a:rPr lang="zh-CN" altLang="en-US"/>
               <a:t>编辑母版文本样式</a:t>
             </a:r>
-            <a:endParaRPr lang="zh-CN" altLang="en-US"/>
           </a:p>
           <a:p>
             <a:pPr lvl="1"/>
@@ -706,7 +708,6 @@
               <a:rPr lang="zh-CN" altLang="en-US"/>
               <a:t>第二级</a:t>
             </a:r>
-            <a:endParaRPr lang="zh-CN" altLang="en-US"/>
           </a:p>
           <a:p>
             <a:pPr lvl="2"/>
@@ -714,7 +715,6 @@
               <a:rPr lang="zh-CN" altLang="en-US"/>
               <a:t>第三级</a:t>
             </a:r>
-            <a:endParaRPr lang="zh-CN" altLang="en-US"/>
           </a:p>
           <a:p>
             <a:pPr lvl="3"/>
@@ -722,7 +722,6 @@
               <a:rPr lang="zh-CN" altLang="en-US"/>
               <a:t>第四级</a:t>
             </a:r>
-            <a:endParaRPr lang="zh-CN" altLang="en-US"/>
           </a:p>
           <a:p>
             <a:pPr lvl="4"/>
@@ -750,6 +749,7 @@
           <a:p>
             <a:fld id="{18BB48A8-A11C-4F8D-B04A-1AC2B146D343}" type="datetimeFigureOut">
               <a:rPr lang="zh-CN" altLang="en-US" smtClean="0"/>
+              <a:t>2018/4/3</a:t>
             </a:fld>
             <a:endParaRPr lang="zh-CN" altLang="en-US"/>
           </a:p>
@@ -791,6 +791,7 @@
           <a:p>
             <a:fld id="{8C571B56-7495-4EBD-8260-CDC087C0A14D}" type="slidenum">
               <a:rPr lang="zh-CN" altLang="en-US" smtClean="0"/>
+              <a:t>‹#›</a:t>
             </a:fld>
             <a:endParaRPr lang="zh-CN" altLang="en-US"/>
           </a:p>
@@ -988,6 +989,7 @@
           <a:p>
             <a:fld id="{18BB48A8-A11C-4F8D-B04A-1AC2B146D343}" type="datetimeFigureOut">
               <a:rPr lang="zh-CN" altLang="en-US" smtClean="0"/>
+              <a:t>2018/4/3</a:t>
             </a:fld>
             <a:endParaRPr lang="zh-CN" altLang="en-US"/>
           </a:p>
@@ -1029,6 +1031,7 @@
           <a:p>
             <a:fld id="{8C571B56-7495-4EBD-8260-CDC087C0A14D}" type="slidenum">
               <a:rPr lang="zh-CN" altLang="en-US" smtClean="0"/>
+              <a:t>‹#›</a:t>
             </a:fld>
             <a:endParaRPr lang="zh-CN" altLang="en-US"/>
           </a:p>
@@ -1106,7 +1109,6 @@
               <a:rPr lang="zh-CN" altLang="en-US"/>
               <a:t>编辑母版文本样式</a:t>
             </a:r>
-            <a:endParaRPr lang="zh-CN" altLang="en-US"/>
           </a:p>
           <a:p>
             <a:pPr lvl="1"/>
@@ -1114,7 +1116,6 @@
               <a:rPr lang="zh-CN" altLang="en-US"/>
               <a:t>第二级</a:t>
             </a:r>
-            <a:endParaRPr lang="zh-CN" altLang="en-US"/>
           </a:p>
           <a:p>
             <a:pPr lvl="2"/>
@@ -1122,7 +1123,6 @@
               <a:rPr lang="zh-CN" altLang="en-US"/>
               <a:t>第三级</a:t>
             </a:r>
-            <a:endParaRPr lang="zh-CN" altLang="en-US"/>
           </a:p>
           <a:p>
             <a:pPr lvl="3"/>
@@ -1130,7 +1130,6 @@
               <a:rPr lang="zh-CN" altLang="en-US"/>
               <a:t>第四级</a:t>
             </a:r>
-            <a:endParaRPr lang="zh-CN" altLang="en-US"/>
           </a:p>
           <a:p>
             <a:pPr lvl="4"/>
@@ -1166,7 +1165,6 @@
               <a:rPr lang="zh-CN" altLang="en-US"/>
               <a:t>编辑母版文本样式</a:t>
             </a:r>
-            <a:endParaRPr lang="zh-CN" altLang="en-US"/>
           </a:p>
           <a:p>
             <a:pPr lvl="1"/>
@@ -1174,7 +1172,6 @@
               <a:rPr lang="zh-CN" altLang="en-US"/>
               <a:t>第二级</a:t>
             </a:r>
-            <a:endParaRPr lang="zh-CN" altLang="en-US"/>
           </a:p>
           <a:p>
             <a:pPr lvl="2"/>
@@ -1182,7 +1179,6 @@
               <a:rPr lang="zh-CN" altLang="en-US"/>
               <a:t>第三级</a:t>
             </a:r>
-            <a:endParaRPr lang="zh-CN" altLang="en-US"/>
           </a:p>
           <a:p>
             <a:pPr lvl="3"/>
@@ -1190,7 +1186,6 @@
               <a:rPr lang="zh-CN" altLang="en-US"/>
               <a:t>第四级</a:t>
             </a:r>
-            <a:endParaRPr lang="zh-CN" altLang="en-US"/>
           </a:p>
           <a:p>
             <a:pPr lvl="4"/>
@@ -1218,6 +1213,7 @@
           <a:p>
             <a:fld id="{18BB48A8-A11C-4F8D-B04A-1AC2B146D343}" type="datetimeFigureOut">
               <a:rPr lang="zh-CN" altLang="en-US" smtClean="0"/>
+              <a:t>2018/4/3</a:t>
             </a:fld>
             <a:endParaRPr lang="zh-CN" altLang="en-US"/>
           </a:p>
@@ -1259,6 +1255,7 @@
           <a:p>
             <a:fld id="{8C571B56-7495-4EBD-8260-CDC087C0A14D}" type="slidenum">
               <a:rPr lang="zh-CN" altLang="en-US" smtClean="0"/>
+              <a:t>‹#›</a:t>
             </a:fld>
             <a:endParaRPr lang="zh-CN" altLang="en-US"/>
           </a:p>
@@ -1406,7 +1403,6 @@
               <a:rPr lang="zh-CN" altLang="en-US"/>
               <a:t>编辑母版文本样式</a:t>
             </a:r>
-            <a:endParaRPr lang="zh-CN" altLang="en-US"/>
           </a:p>
           <a:p>
             <a:pPr lvl="1"/>
@@ -1414,7 +1410,6 @@
               <a:rPr lang="zh-CN" altLang="en-US"/>
               <a:t>第二级</a:t>
             </a:r>
-            <a:endParaRPr lang="zh-CN" altLang="en-US"/>
           </a:p>
           <a:p>
             <a:pPr lvl="2"/>
@@ -1422,7 +1417,6 @@
               <a:rPr lang="zh-CN" altLang="en-US"/>
               <a:t>第三级</a:t>
             </a:r>
-            <a:endParaRPr lang="zh-CN" altLang="en-US"/>
           </a:p>
           <a:p>
             <a:pPr lvl="3"/>
@@ -1430,7 +1424,6 @@
               <a:rPr lang="zh-CN" altLang="en-US"/>
               <a:t>第四级</a:t>
             </a:r>
-            <a:endParaRPr lang="zh-CN" altLang="en-US"/>
           </a:p>
           <a:p>
             <a:pPr lvl="4"/>
@@ -1531,7 +1524,6 @@
               <a:rPr lang="zh-CN" altLang="en-US"/>
               <a:t>编辑母版文本样式</a:t>
             </a:r>
-            <a:endParaRPr lang="zh-CN" altLang="en-US"/>
           </a:p>
           <a:p>
             <a:pPr lvl="1"/>
@@ -1539,7 +1531,6 @@
               <a:rPr lang="zh-CN" altLang="en-US"/>
               <a:t>第二级</a:t>
             </a:r>
-            <a:endParaRPr lang="zh-CN" altLang="en-US"/>
           </a:p>
           <a:p>
             <a:pPr lvl="2"/>
@@ -1547,7 +1538,6 @@
               <a:rPr lang="zh-CN" altLang="en-US"/>
               <a:t>第三级</a:t>
             </a:r>
-            <a:endParaRPr lang="zh-CN" altLang="en-US"/>
           </a:p>
           <a:p>
             <a:pPr lvl="3"/>
@@ -1555,7 +1545,6 @@
               <a:rPr lang="zh-CN" altLang="en-US"/>
               <a:t>第四级</a:t>
             </a:r>
-            <a:endParaRPr lang="zh-CN" altLang="en-US"/>
           </a:p>
           <a:p>
             <a:pPr lvl="4"/>
@@ -1583,6 +1572,7 @@
           <a:p>
             <a:fld id="{18BB48A8-A11C-4F8D-B04A-1AC2B146D343}" type="datetimeFigureOut">
               <a:rPr lang="zh-CN" altLang="en-US" smtClean="0"/>
+              <a:t>2018/4/3</a:t>
             </a:fld>
             <a:endParaRPr lang="zh-CN" altLang="en-US"/>
           </a:p>
@@ -1624,6 +1614,7 @@
           <a:p>
             <a:fld id="{8C571B56-7495-4EBD-8260-CDC087C0A14D}" type="slidenum">
               <a:rPr lang="zh-CN" altLang="en-US" smtClean="0"/>
+              <a:t>‹#›</a:t>
             </a:fld>
             <a:endParaRPr lang="zh-CN" altLang="en-US"/>
           </a:p>
@@ -1693,6 +1684,7 @@
           <a:p>
             <a:fld id="{18BB48A8-A11C-4F8D-B04A-1AC2B146D343}" type="datetimeFigureOut">
               <a:rPr lang="zh-CN" altLang="en-US" smtClean="0"/>
+              <a:t>2018/4/3</a:t>
             </a:fld>
             <a:endParaRPr lang="zh-CN" altLang="en-US"/>
           </a:p>
@@ -1734,6 +1726,7 @@
           <a:p>
             <a:fld id="{8C571B56-7495-4EBD-8260-CDC087C0A14D}" type="slidenum">
               <a:rPr lang="zh-CN" altLang="en-US" smtClean="0"/>
+              <a:t>‹#›</a:t>
             </a:fld>
             <a:endParaRPr lang="zh-CN" altLang="en-US"/>
           </a:p>
@@ -1781,6 +1774,7 @@
           <a:p>
             <a:fld id="{18BB48A8-A11C-4F8D-B04A-1AC2B146D343}" type="datetimeFigureOut">
               <a:rPr lang="zh-CN" altLang="en-US" smtClean="0"/>
+              <a:t>2018/4/3</a:t>
             </a:fld>
             <a:endParaRPr lang="zh-CN" altLang="en-US"/>
           </a:p>
@@ -1822,6 +1816,7 @@
           <a:p>
             <a:fld id="{8C571B56-7495-4EBD-8260-CDC087C0A14D}" type="slidenum">
               <a:rPr lang="zh-CN" altLang="en-US" smtClean="0"/>
+              <a:t>‹#›</a:t>
             </a:fld>
             <a:endParaRPr lang="zh-CN" altLang="en-US"/>
           </a:p>
@@ -1936,7 +1931,6 @@
               <a:rPr lang="zh-CN" altLang="en-US"/>
               <a:t>编辑母版文本样式</a:t>
             </a:r>
-            <a:endParaRPr lang="zh-CN" altLang="en-US"/>
           </a:p>
           <a:p>
             <a:pPr lvl="1"/>
@@ -1944,7 +1938,6 @@
               <a:rPr lang="zh-CN" altLang="en-US"/>
               <a:t>第二级</a:t>
             </a:r>
-            <a:endParaRPr lang="zh-CN" altLang="en-US"/>
           </a:p>
           <a:p>
             <a:pPr lvl="2"/>
@@ -1952,7 +1945,6 @@
               <a:rPr lang="zh-CN" altLang="en-US"/>
               <a:t>第三级</a:t>
             </a:r>
-            <a:endParaRPr lang="zh-CN" altLang="en-US"/>
           </a:p>
           <a:p>
             <a:pPr lvl="3"/>
@@ -1960,7 +1952,6 @@
               <a:rPr lang="zh-CN" altLang="en-US"/>
               <a:t>第四级</a:t>
             </a:r>
-            <a:endParaRPr lang="zh-CN" altLang="en-US"/>
           </a:p>
           <a:p>
             <a:pPr lvl="4"/>
@@ -2053,6 +2044,7 @@
           <a:p>
             <a:fld id="{18BB48A8-A11C-4F8D-B04A-1AC2B146D343}" type="datetimeFigureOut">
               <a:rPr lang="zh-CN" altLang="en-US" smtClean="0"/>
+              <a:t>2018/4/3</a:t>
             </a:fld>
             <a:endParaRPr lang="zh-CN" altLang="en-US"/>
           </a:p>
@@ -2094,6 +2086,7 @@
           <a:p>
             <a:fld id="{8C571B56-7495-4EBD-8260-CDC087C0A14D}" type="slidenum">
               <a:rPr lang="zh-CN" altLang="en-US" smtClean="0"/>
+              <a:t>‹#›</a:t>
             </a:fld>
             <a:endParaRPr lang="zh-CN" altLang="en-US"/>
           </a:p>
@@ -2298,6 +2291,7 @@
           <a:p>
             <a:fld id="{18BB48A8-A11C-4F8D-B04A-1AC2B146D343}" type="datetimeFigureOut">
               <a:rPr lang="zh-CN" altLang="en-US" smtClean="0"/>
+              <a:t>2018/4/3</a:t>
             </a:fld>
             <a:endParaRPr lang="zh-CN" altLang="en-US"/>
           </a:p>
@@ -2339,6 +2333,7 @@
           <a:p>
             <a:fld id="{8C571B56-7495-4EBD-8260-CDC087C0A14D}" type="slidenum">
               <a:rPr lang="zh-CN" altLang="en-US" smtClean="0"/>
+              <a:t>‹#›</a:t>
             </a:fld>
             <a:endParaRPr lang="zh-CN" altLang="en-US"/>
           </a:p>
@@ -2358,7 +2353,7 @@
     <p:bg>
       <p:bgPr>
         <a:blipFill dpi="0" rotWithShape="1">
-          <a:blip r:embed="rId12">
+          <a:blip r:embed="rId13">
             <a:lum/>
           </a:blip>
           <a:srcRect/>
@@ -2445,7 +2440,6 @@
               <a:rPr lang="zh-CN" altLang="en-US"/>
               <a:t>编辑母版文本样式</a:t>
             </a:r>
-            <a:endParaRPr lang="zh-CN" altLang="en-US"/>
           </a:p>
           <a:p>
             <a:pPr lvl="1"/>
@@ -2453,7 +2447,6 @@
               <a:rPr lang="zh-CN" altLang="en-US"/>
               <a:t>第二级</a:t>
             </a:r>
-            <a:endParaRPr lang="zh-CN" altLang="en-US"/>
           </a:p>
           <a:p>
             <a:pPr lvl="2"/>
@@ -2461,7 +2454,6 @@
               <a:rPr lang="zh-CN" altLang="en-US"/>
               <a:t>第三级</a:t>
             </a:r>
-            <a:endParaRPr lang="zh-CN" altLang="en-US"/>
           </a:p>
           <a:p>
             <a:pPr lvl="3"/>
@@ -2469,7 +2461,6 @@
               <a:rPr lang="zh-CN" altLang="en-US"/>
               <a:t>第四级</a:t>
             </a:r>
-            <a:endParaRPr lang="zh-CN" altLang="en-US"/>
           </a:p>
           <a:p>
             <a:pPr lvl="4"/>
@@ -2515,6 +2506,7 @@
           <a:p>
             <a:fld id="{18BB48A8-A11C-4F8D-B04A-1AC2B146D343}" type="datetimeFigureOut">
               <a:rPr lang="zh-CN" altLang="en-US" smtClean="0"/>
+              <a:t>2018/4/3</a:t>
             </a:fld>
             <a:endParaRPr lang="zh-CN" altLang="en-US"/>
           </a:p>
@@ -2592,6 +2584,7 @@
           <a:p>
             <a:fld id="{8C571B56-7495-4EBD-8260-CDC087C0A14D}" type="slidenum">
               <a:rPr lang="zh-CN" altLang="en-US" smtClean="0"/>
+              <a:t>‹#›</a:t>
             </a:fld>
             <a:endParaRPr lang="zh-CN" altLang="en-US"/>
           </a:p>
@@ -3197,42 +3190,36 @@
               <a:rPr lang="en-US" altLang="zh-CN" dirty="0"/>
               <a:t>CPU: ALU and control unit</a:t>
             </a:r>
-            <a:endParaRPr lang="en-US" altLang="zh-CN" dirty="0"/>
           </a:p>
           <a:p>
             <a:r>
               <a:rPr lang="en-US" altLang="zh-CN" dirty="0"/>
               <a:t>Register: general-purpose and special-purpose</a:t>
             </a:r>
-            <a:endParaRPr lang="en-US" altLang="zh-CN" dirty="0"/>
           </a:p>
           <a:p>
             <a:r>
               <a:rPr lang="en-US" altLang="zh-CN" dirty="0"/>
               <a:t>Bus</a:t>
             </a:r>
-            <a:endParaRPr lang="en-US" altLang="zh-CN" dirty="0"/>
           </a:p>
           <a:p>
             <a:r>
               <a:rPr lang="en-US" altLang="zh-CN" dirty="0"/>
               <a:t>Main memory</a:t>
             </a:r>
-            <a:endParaRPr lang="en-US" altLang="zh-CN" dirty="0"/>
           </a:p>
           <a:p>
             <a:r>
               <a:rPr lang="en-US" altLang="zh-CN" dirty="0"/>
               <a:t>Mass storage</a:t>
             </a:r>
-            <a:endParaRPr lang="en-US" altLang="zh-CN" dirty="0"/>
           </a:p>
           <a:p>
             <a:r>
               <a:rPr lang="en-US" altLang="zh-CN" dirty="0"/>
               <a:t>Peripheral device: I/O</a:t>
             </a:r>
-            <a:endParaRPr lang="en-US" altLang="zh-CN" dirty="0"/>
           </a:p>
           <a:p>
             <a:endParaRPr lang="en-US" altLang="zh-CN" dirty="0"/>
@@ -3255,7 +3242,7 @@
           <p:nvPr/>
         </p:nvPicPr>
         <p:blipFill>
-          <a:blip r:embed="rId1"/>
+          <a:blip r:embed="rId2"/>
           <a:stretch>
             <a:fillRect/>
           </a:stretch>
@@ -3311,12 +3298,12 @@
           <a:lstStyle/>
           <a:p>
             <a:r>
-              <a:rPr lang="en-US" altLang="zh-CN" b="1" dirty="0" err="1"/>
-              <a:t>Havard</a:t>
+              <a:rPr lang="en-US" altLang="zh-CN" b="1"/>
+              <a:t>Harvard </a:t>
             </a:r>
             <a:r>
               <a:rPr lang="en-US" altLang="zh-CN" b="1" dirty="0"/>
-              <a:t> Architecture</a:t>
+              <a:t>Architecture</a:t>
             </a:r>
             <a:endParaRPr lang="zh-CN" altLang="en-US" b="1" dirty="0"/>
           </a:p>
@@ -3341,7 +3328,6 @@
               <a:rPr lang="en-US" altLang="zh-CN" dirty="0"/>
               <a:t>Separate storage and signal pathways for instructions and data.</a:t>
             </a:r>
-            <a:endParaRPr lang="en-US" altLang="zh-CN" dirty="0"/>
           </a:p>
           <a:p>
             <a:r>
@@ -3419,42 +3405,36 @@
               <a:rPr lang="en-US" altLang="zh-CN" dirty="0"/>
               <a:t>Throughput vs. execution speed</a:t>
             </a:r>
-            <a:endParaRPr lang="en-US" altLang="zh-CN" dirty="0"/>
           </a:p>
           <a:p>
             <a:r>
               <a:rPr lang="en-US" altLang="zh-CN" dirty="0"/>
               <a:t>Overlap: prefetching while executing</a:t>
             </a:r>
-            <a:endParaRPr lang="en-US" altLang="zh-CN" dirty="0"/>
           </a:p>
           <a:p>
             <a:r>
               <a:rPr lang="en-US" altLang="zh-CN" dirty="0"/>
               <a:t>Instruction pipelining</a:t>
             </a:r>
-            <a:endParaRPr lang="en-US" altLang="zh-CN" dirty="0"/>
           </a:p>
           <a:p>
             <a:r>
               <a:rPr lang="en-US" altLang="zh-CN" dirty="0"/>
               <a:t>Graphics pipelining</a:t>
             </a:r>
-            <a:endParaRPr lang="en-US" altLang="zh-CN" dirty="0"/>
           </a:p>
           <a:p>
             <a:r>
               <a:rPr lang="en-US" altLang="zh-CN" dirty="0"/>
               <a:t>Software pipelining</a:t>
             </a:r>
-            <a:endParaRPr lang="en-US" altLang="zh-CN" dirty="0"/>
           </a:p>
           <a:p>
             <a:r>
               <a:rPr lang="en-US" altLang="zh-CN" dirty="0"/>
               <a:t>HTTP pipelining</a:t>
             </a:r>
-            <a:endParaRPr lang="en-US" altLang="zh-CN" dirty="0"/>
           </a:p>
           <a:p>
             <a:endParaRPr lang="zh-CN" altLang="en-US" dirty="0"/>
@@ -3528,14 +3508,12 @@
               <a:rPr lang="en-US" altLang="zh-CN" dirty="0"/>
               <a:t>Parallel processing</a:t>
             </a:r>
-            <a:endParaRPr lang="en-US" altLang="zh-CN" dirty="0"/>
           </a:p>
           <a:p>
             <a:r>
               <a:rPr lang="en-US" altLang="zh-CN" dirty="0"/>
               <a:t>MIMD: multiple-instruction stream, multiple-data stream</a:t>
             </a:r>
-            <a:endParaRPr lang="en-US" altLang="zh-CN" dirty="0"/>
           </a:p>
           <a:p>
             <a:r>
@@ -3563,7 +3541,14 @@
         <p:cNvGrpSpPr/>
         <p:nvPr/>
       </p:nvGrpSpPr>
-      <p:grpSpPr/>
+      <p:grpSpPr>
+        <a:xfrm>
+          <a:off x="0" y="0"/>
+          <a:ext cx="0" cy="0"/>
+          <a:chOff x="0" y="0"/>
+          <a:chExt cx="0" cy="0"/>
+        </a:xfrm>
+      </p:grpSpPr>
       <p:sp>
         <p:nvSpPr>
           <p:cNvPr id="2" name="标题 1"/>
@@ -3577,12 +3562,12 @@
         <p:spPr/>
         <p:txBody>
           <a:bodyPr/>
+          <a:lstStyle/>
           <a:p>
             <a:r>
               <a:rPr lang="zh-CN" altLang="en-US"/>
               <a:t>methods of performing input/output (I/O) </a:t>
             </a:r>
-            <a:endParaRPr lang="zh-CN" altLang="en-US"/>
           </a:p>
         </p:txBody>
       </p:sp>
@@ -3599,14 +3584,14 @@
         <p:spPr/>
         <p:txBody>
           <a:bodyPr>
-            <a:normAutofit fontScale="90000" lnSpcReduction="10000"/>
+            <a:normAutofit fontScale="90000"/>
           </a:bodyPr>
+          <a:lstStyle/>
           <a:p>
             <a:r>
               <a:rPr lang="zh-CN" altLang="en-US"/>
               <a:t>Memory-mapped I/O (MMIO) </a:t>
             </a:r>
-            <a:endParaRPr lang="zh-CN" altLang="en-US"/>
           </a:p>
           <a:p>
             <a:r>
@@ -3617,7 +3602,6 @@
               <a:rPr lang="x-none" altLang="zh-CN"/>
               <a:t>or called isolated I/O</a:t>
             </a:r>
-            <a:endParaRPr lang="x-none" altLang="zh-CN"/>
           </a:p>
           <a:p>
             <a:endParaRPr lang="x-none" altLang="zh-CN"/>
@@ -3651,14 +3635,12 @@
               <a:rPr lang="x-none" altLang="zh-CN"/>
               <a:t>instructions</a:t>
             </a:r>
-            <a:endParaRPr lang="x-none" altLang="zh-CN"/>
           </a:p>
           <a:p>
             <a:r>
               <a:rPr lang="x-none" altLang="zh-CN"/>
               <a:t>I/O devices have a separate address space from general memory, either accomplished by an extra "I/O" pin on the CPU's physical interface, or an entire bus dedicated to I/O. </a:t>
             </a:r>
-            <a:endParaRPr lang="x-none" altLang="zh-CN"/>
           </a:p>
           <a:p>
             <a:endParaRPr lang="x-none" altLang="zh-CN"/>
@@ -3668,7 +3650,6 @@
               <a:rPr lang="x-none" altLang="zh-CN"/>
               <a:t>for example,the x86 platform</a:t>
             </a:r>
-            <a:endParaRPr lang="x-none" altLang="zh-CN"/>
           </a:p>
         </p:txBody>
       </p:sp>
@@ -3689,7 +3670,14 @@
         <p:cNvGrpSpPr/>
         <p:nvPr/>
       </p:nvGrpSpPr>
-      <p:grpSpPr/>
+      <p:grpSpPr>
+        <a:xfrm>
+          <a:off x="0" y="0"/>
+          <a:ext cx="0" cy="0"/>
+          <a:chOff x="0" y="0"/>
+          <a:chExt cx="0" cy="0"/>
+        </a:xfrm>
+      </p:grpSpPr>
       <p:sp>
         <p:nvSpPr>
           <p:cNvPr id="2" name="标题 1"/>
@@ -3703,12 +3691,12 @@
         <p:spPr/>
         <p:txBody>
           <a:bodyPr/>
+          <a:lstStyle/>
           <a:p>
             <a:r>
               <a:rPr lang="x-none" altLang="zh-CN"/>
               <a:t>via high-level language</a:t>
             </a:r>
-            <a:endParaRPr lang="x-none" altLang="zh-CN"/>
           </a:p>
         </p:txBody>
       </p:sp>
@@ -3725,36 +3713,33 @@
         <p:spPr/>
         <p:txBody>
           <a:bodyPr/>
+          <a:lstStyle/>
           <a:p>
             <a:r>
               <a:rPr lang="zh-CN" altLang="en-US"/>
               <a:t>int* ptr;</a:t>
             </a:r>
-            <a:endParaRPr lang="zh-CN" altLang="en-US"/>
           </a:p>
           <a:p>
             <a:r>
               <a:rPr lang="x-none" altLang="zh-CN"/>
               <a:t>...some code...</a:t>
             </a:r>
-            <a:endParaRPr lang="x-none" altLang="zh-CN"/>
           </a:p>
           <a:p>
             <a:r>
               <a:rPr lang="zh-CN" altLang="en-US"/>
               <a:t>*ptr = 0;</a:t>
             </a:r>
+          </a:p>
+          <a:p>
             <a:endParaRPr lang="zh-CN" altLang="en-US"/>
           </a:p>
           <a:p>
-            <a:endParaRPr lang="zh-CN" altLang="en-US"/>
-          </a:p>
-          <a:p>
             <a:r>
               <a:rPr lang="zh-CN" altLang="en-US"/>
               <a:t> result in writing to a hardware input-output port if ptr happens to store the address to which that port is mapped. Usually they are called "embedded platforms".</a:t>
             </a:r>
-            <a:endParaRPr lang="zh-CN" altLang="en-US"/>
           </a:p>
         </p:txBody>
       </p:sp>
@@ -3775,7 +3760,14 @@
         <p:cNvGrpSpPr/>
         <p:nvPr/>
       </p:nvGrpSpPr>
-      <p:grpSpPr/>
+      <p:grpSpPr>
+        <a:xfrm>
+          <a:off x="0" y="0"/>
+          <a:ext cx="0" cy="0"/>
+          <a:chOff x="0" y="0"/>
+          <a:chExt cx="0" cy="0"/>
+        </a:xfrm>
+      </p:grpSpPr>
       <p:sp>
         <p:nvSpPr>
           <p:cNvPr id="2" name="标题 1"/>
@@ -3789,12 +3781,12 @@
         <p:spPr/>
         <p:txBody>
           <a:bodyPr/>
+          <a:lstStyle/>
           <a:p>
             <a:r>
               <a:rPr lang="x-none" altLang="zh-CN"/>
               <a:t>device driver</a:t>
             </a:r>
-            <a:endParaRPr lang="x-none" altLang="zh-CN"/>
           </a:p>
         </p:txBody>
       </p:sp>
@@ -3811,12 +3803,12 @@
         <p:spPr/>
         <p:txBody>
           <a:bodyPr/>
+          <a:lstStyle/>
           <a:p>
             <a:r>
               <a:rPr lang="zh-CN" altLang="en-US"/>
               <a:t> A driver provides a software interface to hardware devices, enabling operating systems and other computer programs to access hardware functions without needing to know precise details of the hardware being used.</a:t>
             </a:r>
-            <a:endParaRPr lang="zh-CN" altLang="en-US"/>
           </a:p>
         </p:txBody>
       </p:sp>
